--- a/SPA/React/react-architecture.pptx
+++ b/SPA/React/react-architecture.pptx
@@ -19,43 +19,44 @@
     <p:sldId id="281" r:id="rId13"/>
     <p:sldId id="286" r:id="rId14"/>
     <p:sldId id="265" r:id="rId15"/>
-    <p:sldId id="287" r:id="rId16"/>
-    <p:sldId id="278" r:id="rId17"/>
-    <p:sldId id="288" r:id="rId18"/>
-    <p:sldId id="271" r:id="rId19"/>
-    <p:sldId id="289" r:id="rId20"/>
-    <p:sldId id="290" r:id="rId21"/>
-    <p:sldId id="282" r:id="rId22"/>
-    <p:sldId id="283" r:id="rId23"/>
-    <p:sldId id="266" r:id="rId24"/>
-    <p:sldId id="275" r:id="rId25"/>
-    <p:sldId id="276" r:id="rId26"/>
-    <p:sldId id="267" r:id="rId27"/>
-    <p:sldId id="263" r:id="rId28"/>
-    <p:sldId id="264" r:id="rId29"/>
-    <p:sldId id="277" r:id="rId30"/>
-    <p:sldId id="268" r:id="rId31"/>
-    <p:sldId id="269" r:id="rId32"/>
-    <p:sldId id="270" r:id="rId33"/>
-    <p:sldId id="272" r:id="rId34"/>
-    <p:sldId id="273" r:id="rId35"/>
+    <p:sldId id="291" r:id="rId16"/>
+    <p:sldId id="287" r:id="rId17"/>
+    <p:sldId id="278" r:id="rId18"/>
+    <p:sldId id="288" r:id="rId19"/>
+    <p:sldId id="271" r:id="rId20"/>
+    <p:sldId id="289" r:id="rId21"/>
+    <p:sldId id="290" r:id="rId22"/>
+    <p:sldId id="282" r:id="rId23"/>
+    <p:sldId id="283" r:id="rId24"/>
+    <p:sldId id="266" r:id="rId25"/>
+    <p:sldId id="275" r:id="rId26"/>
+    <p:sldId id="276" r:id="rId27"/>
+    <p:sldId id="267" r:id="rId28"/>
+    <p:sldId id="263" r:id="rId29"/>
+    <p:sldId id="264" r:id="rId30"/>
+    <p:sldId id="277" r:id="rId31"/>
+    <p:sldId id="268" r:id="rId32"/>
+    <p:sldId id="269" r:id="rId33"/>
+    <p:sldId id="270" r:id="rId34"/>
+    <p:sldId id="272" r:id="rId35"/>
+    <p:sldId id="273" r:id="rId36"/>
   </p:sldIdLst>
   <p:sldSz cx="12192000" cy="6858000"/>
   <p:notesSz cx="6858000" cy="9144000"/>
   <p:embeddedFontLst>
     <p:embeddedFont>
       <p:font typeface="Bookman Old Style" panose="02050604050505020204" pitchFamily="18" charset="0"/>
-      <p:regular r:id="rId36"/>
-      <p:bold r:id="rId37"/>
-      <p:italic r:id="rId38"/>
-      <p:boldItalic r:id="rId39"/>
+      <p:regular r:id="rId37"/>
+      <p:bold r:id="rId38"/>
+      <p:italic r:id="rId39"/>
+      <p:boldItalic r:id="rId40"/>
     </p:embeddedFont>
     <p:embeddedFont>
       <p:font typeface="Rockwell" panose="02060603020205020403" pitchFamily="18" charset="77"/>
-      <p:regular r:id="rId40"/>
-      <p:bold r:id="rId41"/>
-      <p:italic r:id="rId42"/>
-      <p:boldItalic r:id="rId43"/>
+      <p:regular r:id="rId41"/>
+      <p:bold r:id="rId42"/>
+      <p:italic r:id="rId43"/>
+      <p:boldItalic r:id="rId44"/>
     </p:embeddedFont>
   </p:embeddedFontLst>
   <p:defaultTextStyle>
@@ -294,7 +295,7 @@
           <a:p>
             <a:fld id="{165B7021-42A5-46F1-9A14-1EDB131AF606}" type="datetimeFigureOut">
               <a:rPr lang="he-IL" smtClean="0"/>
-              <a:t>ט"ז.אדר א.תשפ"ב</a:t>
+              <a:t>ח'.אייר.תשפ"ב</a:t>
             </a:fld>
             <a:endParaRPr lang="he-IL"/>
           </a:p>
@@ -581,7 +582,7 @@
           <a:p>
             <a:fld id="{165B7021-42A5-46F1-9A14-1EDB131AF606}" type="datetimeFigureOut">
               <a:rPr lang="he-IL" smtClean="0"/>
-              <a:t>ט"ז.אדר א.תשפ"ב</a:t>
+              <a:t>ח'.אייר.תשפ"ב</a:t>
             </a:fld>
             <a:endParaRPr lang="he-IL"/>
           </a:p>
@@ -773,7 +774,7 @@
           <a:p>
             <a:fld id="{165B7021-42A5-46F1-9A14-1EDB131AF606}" type="datetimeFigureOut">
               <a:rPr lang="he-IL" smtClean="0"/>
-              <a:t>ט"ז.אדר א.תשפ"ב</a:t>
+              <a:t>ח'.אייר.תשפ"ב</a:t>
             </a:fld>
             <a:endParaRPr lang="he-IL"/>
           </a:p>
@@ -1034,7 +1035,7 @@
           <a:p>
             <a:fld id="{165B7021-42A5-46F1-9A14-1EDB131AF606}" type="datetimeFigureOut">
               <a:rPr lang="he-IL" smtClean="0"/>
-              <a:t>ט"ז.אדר א.תשפ"ב</a:t>
+              <a:t>ח'.אייר.תשפ"ב</a:t>
             </a:fld>
             <a:endParaRPr lang="he-IL"/>
           </a:p>
@@ -1458,7 +1459,7 @@
           <a:p>
             <a:fld id="{165B7021-42A5-46F1-9A14-1EDB131AF606}" type="datetimeFigureOut">
               <a:rPr lang="he-IL" smtClean="0"/>
-              <a:t>ט"ז.אדר א.תשפ"ב</a:t>
+              <a:t>ח'.אייר.תשפ"ב</a:t>
             </a:fld>
             <a:endParaRPr lang="he-IL"/>
           </a:p>
@@ -2004,7 +2005,7 @@
           <a:p>
             <a:fld id="{165B7021-42A5-46F1-9A14-1EDB131AF606}" type="datetimeFigureOut">
               <a:rPr lang="he-IL" smtClean="0"/>
-              <a:t>ט"ז.אדר א.תשפ"ב</a:t>
+              <a:t>ח'.אייר.תשפ"ב</a:t>
             </a:fld>
             <a:endParaRPr lang="he-IL"/>
           </a:p>
@@ -2844,7 +2845,7 @@
           <a:p>
             <a:fld id="{165B7021-42A5-46F1-9A14-1EDB131AF606}" type="datetimeFigureOut">
               <a:rPr lang="he-IL" smtClean="0"/>
-              <a:t>ט"ז.אדר א.תשפ"ב</a:t>
+              <a:t>ח'.אייר.תשפ"ב</a:t>
             </a:fld>
             <a:endParaRPr lang="he-IL"/>
           </a:p>
@@ -3014,7 +3015,7 @@
           <a:p>
             <a:fld id="{165B7021-42A5-46F1-9A14-1EDB131AF606}" type="datetimeFigureOut">
               <a:rPr lang="he-IL" smtClean="0"/>
-              <a:t>ט"ז.אדר א.תשפ"ב</a:t>
+              <a:t>ח'.אייר.תשפ"ב</a:t>
             </a:fld>
             <a:endParaRPr lang="he-IL"/>
           </a:p>
@@ -3198,7 +3199,7 @@
           <a:p>
             <a:fld id="{165B7021-42A5-46F1-9A14-1EDB131AF606}" type="datetimeFigureOut">
               <a:rPr lang="he-IL" smtClean="0"/>
-              <a:t>ט"ז.אדר א.תשפ"ב</a:t>
+              <a:t>ח'.אייר.תשפ"ב</a:t>
             </a:fld>
             <a:endParaRPr lang="he-IL"/>
           </a:p>
@@ -3368,7 +3369,7 @@
           <a:p>
             <a:fld id="{165B7021-42A5-46F1-9A14-1EDB131AF606}" type="datetimeFigureOut">
               <a:rPr lang="he-IL" smtClean="0"/>
-              <a:t>ט"ז.אדר א.תשפ"ב</a:t>
+              <a:t>ח'.אייר.תשפ"ב</a:t>
             </a:fld>
             <a:endParaRPr lang="he-IL"/>
           </a:p>
@@ -3616,7 +3617,7 @@
           <a:p>
             <a:fld id="{165B7021-42A5-46F1-9A14-1EDB131AF606}" type="datetimeFigureOut">
               <a:rPr lang="he-IL" smtClean="0"/>
-              <a:t>ט"ז.אדר א.תשפ"ב</a:t>
+              <a:t>ח'.אייר.תשפ"ב</a:t>
             </a:fld>
             <a:endParaRPr lang="he-IL"/>
           </a:p>
@@ -3853,7 +3854,7 @@
           <a:p>
             <a:fld id="{165B7021-42A5-46F1-9A14-1EDB131AF606}" type="datetimeFigureOut">
               <a:rPr lang="he-IL" smtClean="0"/>
-              <a:t>ט"ז.אדר א.תשפ"ב</a:t>
+              <a:t>ח'.אייר.תשפ"ב</a:t>
             </a:fld>
             <a:endParaRPr lang="he-IL"/>
           </a:p>
@@ -4226,7 +4227,7 @@
           <a:p>
             <a:fld id="{165B7021-42A5-46F1-9A14-1EDB131AF606}" type="datetimeFigureOut">
               <a:rPr lang="he-IL" smtClean="0"/>
-              <a:t>ט"ז.אדר א.תשפ"ב</a:t>
+              <a:t>ח'.אייר.תשפ"ב</a:t>
             </a:fld>
             <a:endParaRPr lang="he-IL"/>
           </a:p>
@@ -4344,7 +4345,7 @@
           <a:p>
             <a:fld id="{165B7021-42A5-46F1-9A14-1EDB131AF606}" type="datetimeFigureOut">
               <a:rPr lang="he-IL" smtClean="0"/>
-              <a:t>ט"ז.אדר א.תשפ"ב</a:t>
+              <a:t>ח'.אייר.תשפ"ב</a:t>
             </a:fld>
             <a:endParaRPr lang="he-IL"/>
           </a:p>
@@ -4439,7 +4440,7 @@
           <a:p>
             <a:fld id="{165B7021-42A5-46F1-9A14-1EDB131AF606}" type="datetimeFigureOut">
               <a:rPr lang="he-IL" smtClean="0"/>
-              <a:t>ט"ז.אדר א.תשפ"ב</a:t>
+              <a:t>ח'.אייר.תשפ"ב</a:t>
             </a:fld>
             <a:endParaRPr lang="he-IL"/>
           </a:p>
@@ -4690,7 +4691,7 @@
           <a:p>
             <a:fld id="{165B7021-42A5-46F1-9A14-1EDB131AF606}" type="datetimeFigureOut">
               <a:rPr lang="he-IL" smtClean="0"/>
-              <a:t>ט"ז.אדר א.תשפ"ב</a:t>
+              <a:t>ח'.אייר.תשפ"ב</a:t>
             </a:fld>
             <a:endParaRPr lang="he-IL"/>
           </a:p>
@@ -4977,7 +4978,7 @@
           <a:p>
             <a:fld id="{165B7021-42A5-46F1-9A14-1EDB131AF606}" type="datetimeFigureOut">
               <a:rPr lang="he-IL" smtClean="0"/>
-              <a:t>ט"ז.אדר א.תשפ"ב</a:t>
+              <a:t>ח'.אייר.תשפ"ב</a:t>
             </a:fld>
             <a:endParaRPr lang="he-IL"/>
           </a:p>
@@ -5190,7 +5191,7 @@
           <a:p>
             <a:fld id="{165B7021-42A5-46F1-9A14-1EDB131AF606}" type="datetimeFigureOut">
               <a:rPr lang="he-IL" smtClean="0"/>
-              <a:t>ט"ז.אדר א.תשפ"ב</a:t>
+              <a:t>ח'.אייר.תשפ"ב</a:t>
             </a:fld>
             <a:endParaRPr lang="he-IL"/>
           </a:p>
@@ -8562,6 +8563,594 @@
       </p:sp>
       <p:sp>
         <p:nvSpPr>
+          <p:cNvPr id="6" name="מלבן 18">
+            <a:extLst>
+              <a:ext uri="{FF2B5EF4-FFF2-40B4-BE49-F238E27FC236}">
+                <a16:creationId xmlns:a16="http://schemas.microsoft.com/office/drawing/2014/main" id="{FE4CA59C-1215-244A-8A14-A5DC7D805457}"/>
+              </a:ext>
+            </a:extLst>
+          </p:cNvPr>
+          <p:cNvSpPr/>
+          <p:nvPr/>
+        </p:nvSpPr>
+        <p:spPr>
+          <a:xfrm>
+            <a:off x="7565721" y="1828800"/>
+            <a:ext cx="3156558" cy="4690997"/>
+          </a:xfrm>
+          <a:prstGeom prst="rect">
+            <a:avLst/>
+          </a:prstGeom>
+        </p:spPr>
+        <p:style>
+          <a:lnRef idx="2">
+            <a:schemeClr val="accent1">
+              <a:shade val="50000"/>
+            </a:schemeClr>
+          </a:lnRef>
+          <a:fillRef idx="1">
+            <a:schemeClr val="accent1"/>
+          </a:fillRef>
+          <a:effectRef idx="0">
+            <a:schemeClr val="accent1"/>
+          </a:effectRef>
+          <a:fontRef idx="minor">
+            <a:schemeClr val="lt1"/>
+          </a:fontRef>
+        </p:style>
+        <p:txBody>
+          <a:bodyPr rtlCol="1" anchor="ctr"/>
+          <a:lstStyle/>
+          <a:p>
+            <a:pPr algn="ctr"/>
+            <a:r>
+              <a:rPr lang="en-US" dirty="0"/>
+              <a:t>Component</a:t>
+            </a:r>
+            <a:endParaRPr lang="he-IL" dirty="0"/>
+          </a:p>
+        </p:txBody>
+      </p:sp>
+      <p:sp>
+        <p:nvSpPr>
+          <p:cNvPr id="2" name="כותרת 1">
+            <a:extLst>
+              <a:ext uri="{FF2B5EF4-FFF2-40B4-BE49-F238E27FC236}">
+                <a16:creationId xmlns:a16="http://schemas.microsoft.com/office/drawing/2014/main" id="{D8B5AC4C-BAFA-4D9D-9FE4-D33C3994D036}"/>
+              </a:ext>
+            </a:extLst>
+          </p:cNvPr>
+          <p:cNvSpPr>
+            <a:spLocks noGrp="1"/>
+          </p:cNvSpPr>
+          <p:nvPr>
+            <p:ph type="title"/>
+          </p:nvPr>
+        </p:nvSpPr>
+        <p:spPr>
+          <a:xfrm>
+            <a:off x="913795" y="609600"/>
+            <a:ext cx="10353761" cy="1326321"/>
+          </a:xfrm>
+        </p:spPr>
+        <p:txBody>
+          <a:bodyPr>
+            <a:normAutofit/>
+          </a:bodyPr>
+          <a:lstStyle/>
+          <a:p>
+            <a:r>
+              <a:rPr lang="en-US" dirty="0"/>
+              <a:t>React – Lifting state up</a:t>
+            </a:r>
+            <a:endParaRPr lang="he-IL" dirty="0"/>
+          </a:p>
+        </p:txBody>
+      </p:sp>
+      <p:sp>
+        <p:nvSpPr>
+          <p:cNvPr id="10" name="Rectangle 9">
+            <a:extLst>
+              <a:ext uri="{FF2B5EF4-FFF2-40B4-BE49-F238E27FC236}">
+                <a16:creationId xmlns:a16="http://schemas.microsoft.com/office/drawing/2014/main" id="{EFA2AC96-1E47-421C-A03F-F98E354EB4E6}"/>
+              </a:ext>
+              <a:ext uri="{C183D7F6-B498-43B3-948B-1728B52AA6E4}">
+                <adec:decorative xmlns:adec="http://schemas.microsoft.com/office/drawing/2017/decorative" val="1"/>
+              </a:ext>
+            </a:extLst>
+          </p:cNvPr>
+          <p:cNvSpPr>
+            <a:spLocks noGrp="1" noRot="1" noChangeAspect="1" noMove="1" noResize="1" noEditPoints="1" noAdjustHandles="1" noChangeArrowheads="1" noChangeShapeType="1" noTextEdit="1"/>
+          </p:cNvSpPr>
+          <p:nvPr>
+            <p:extLst>
+              <p:ext uri="{386F3935-93C4-4BCD-93E2-E3B085C9AB24}">
+                <p16:designElem xmlns:p16="http://schemas.microsoft.com/office/powerpoint/2015/main" val="1"/>
+              </p:ext>
+            </p:extLst>
+          </p:nvPr>
+        </p:nvSpPr>
+        <p:spPr>
+          <a:xfrm>
+            <a:off x="0" y="2095500"/>
+            <a:ext cx="12192000" cy="4762500"/>
+          </a:xfrm>
+          <a:prstGeom prst="rect">
+            <a:avLst/>
+          </a:prstGeom>
+          <a:solidFill>
+            <a:schemeClr val="bg1">
+              <a:alpha val="50000"/>
+            </a:schemeClr>
+          </a:solidFill>
+          <a:ln>
+            <a:noFill/>
+          </a:ln>
+        </p:spPr>
+        <p:style>
+          <a:lnRef idx="2">
+            <a:schemeClr val="accent1">
+              <a:shade val="50000"/>
+            </a:schemeClr>
+          </a:lnRef>
+          <a:fillRef idx="1001">
+            <a:schemeClr val="dk1"/>
+          </a:fillRef>
+          <a:effectRef idx="0">
+            <a:schemeClr val="accent1"/>
+          </a:effectRef>
+          <a:fontRef idx="minor">
+            <a:schemeClr val="lt1"/>
+          </a:fontRef>
+        </p:style>
+        <p:txBody>
+          <a:bodyPr rtlCol="0" anchor="ctr"/>
+          <a:lstStyle/>
+          <a:p>
+            <a:pPr algn="ctr"/>
+            <a:endParaRPr lang="en-US"/>
+          </a:p>
+        </p:txBody>
+      </p:sp>
+      <p:sp>
+        <p:nvSpPr>
+          <p:cNvPr id="19" name="מלבן 18">
+            <a:extLst>
+              <a:ext uri="{FF2B5EF4-FFF2-40B4-BE49-F238E27FC236}">
+                <a16:creationId xmlns:a16="http://schemas.microsoft.com/office/drawing/2014/main" id="{935593BE-FF5E-48CA-9248-05FCB24E5FAD}"/>
+              </a:ext>
+            </a:extLst>
+          </p:cNvPr>
+          <p:cNvSpPr/>
+          <p:nvPr/>
+        </p:nvSpPr>
+        <p:spPr>
+          <a:xfrm>
+            <a:off x="8680537" y="4897677"/>
+            <a:ext cx="1703389" cy="1503123"/>
+          </a:xfrm>
+          <a:prstGeom prst="rect">
+            <a:avLst/>
+          </a:prstGeom>
+        </p:spPr>
+        <p:style>
+          <a:lnRef idx="2">
+            <a:schemeClr val="accent1">
+              <a:shade val="50000"/>
+            </a:schemeClr>
+          </a:lnRef>
+          <a:fillRef idx="1">
+            <a:schemeClr val="accent1"/>
+          </a:fillRef>
+          <a:effectRef idx="0">
+            <a:schemeClr val="accent1"/>
+          </a:effectRef>
+          <a:fontRef idx="minor">
+            <a:schemeClr val="lt1"/>
+          </a:fontRef>
+        </p:style>
+        <p:txBody>
+          <a:bodyPr rtlCol="1" anchor="ctr"/>
+          <a:lstStyle/>
+          <a:p>
+            <a:pPr algn="ctr"/>
+            <a:r>
+              <a:rPr lang="en-US" dirty="0"/>
+              <a:t>Component</a:t>
+            </a:r>
+            <a:endParaRPr lang="he-IL" dirty="0"/>
+          </a:p>
+        </p:txBody>
+      </p:sp>
+      <p:sp>
+        <p:nvSpPr>
+          <p:cNvPr id="3" name="TextBox 2">
+            <a:extLst>
+              <a:ext uri="{FF2B5EF4-FFF2-40B4-BE49-F238E27FC236}">
+                <a16:creationId xmlns:a16="http://schemas.microsoft.com/office/drawing/2014/main" id="{7CF8F324-F2C9-F743-A7B5-41869E9F5CCF}"/>
+              </a:ext>
+            </a:extLst>
+          </p:cNvPr>
+          <p:cNvSpPr txBox="1"/>
+          <p:nvPr/>
+        </p:nvSpPr>
+        <p:spPr>
+          <a:xfrm>
+            <a:off x="8887216" y="4713011"/>
+            <a:ext cx="851770" cy="369332"/>
+          </a:xfrm>
+          <a:prstGeom prst="rect">
+            <a:avLst/>
+          </a:prstGeom>
+          <a:noFill/>
+        </p:spPr>
+        <p:txBody>
+          <a:bodyPr wrap="square" rtlCol="0">
+            <a:spAutoFit/>
+          </a:bodyPr>
+          <a:lstStyle/>
+          <a:p>
+            <a:r>
+              <a:rPr lang="en-IL" dirty="0"/>
+              <a:t>props</a:t>
+            </a:r>
+          </a:p>
+        </p:txBody>
+      </p:sp>
+      <p:sp>
+        <p:nvSpPr>
+          <p:cNvPr id="9" name="TextBox 8">
+            <a:extLst>
+              <a:ext uri="{FF2B5EF4-FFF2-40B4-BE49-F238E27FC236}">
+                <a16:creationId xmlns:a16="http://schemas.microsoft.com/office/drawing/2014/main" id="{D6D2F6A7-0DCA-5F40-BE84-B8FFC73F44D9}"/>
+              </a:ext>
+            </a:extLst>
+          </p:cNvPr>
+          <p:cNvSpPr txBox="1"/>
+          <p:nvPr/>
+        </p:nvSpPr>
+        <p:spPr>
+          <a:xfrm>
+            <a:off x="8519786" y="4343679"/>
+            <a:ext cx="851770" cy="369332"/>
+          </a:xfrm>
+          <a:prstGeom prst="rect">
+            <a:avLst/>
+          </a:prstGeom>
+          <a:noFill/>
+        </p:spPr>
+        <p:txBody>
+          <a:bodyPr wrap="square" rtlCol="0">
+            <a:spAutoFit/>
+          </a:bodyPr>
+          <a:lstStyle/>
+          <a:p>
+            <a:r>
+              <a:rPr lang="en-IL" dirty="0"/>
+              <a:t>data</a:t>
+            </a:r>
+          </a:p>
+        </p:txBody>
+      </p:sp>
+      <p:cxnSp>
+        <p:nvCxnSpPr>
+          <p:cNvPr id="5" name="Straight Arrow Connector 4">
+            <a:extLst>
+              <a:ext uri="{FF2B5EF4-FFF2-40B4-BE49-F238E27FC236}">
+                <a16:creationId xmlns:a16="http://schemas.microsoft.com/office/drawing/2014/main" id="{C9B1AFB0-AF8D-504F-A929-12E655999F3C}"/>
+              </a:ext>
+            </a:extLst>
+          </p:cNvPr>
+          <p:cNvCxnSpPr/>
+          <p:nvPr/>
+        </p:nvCxnSpPr>
+        <p:spPr>
+          <a:xfrm>
+            <a:off x="9106422" y="4713011"/>
+            <a:ext cx="425809" cy="641866"/>
+          </a:xfrm>
+          <a:prstGeom prst="straightConnector1">
+            <a:avLst/>
+          </a:prstGeom>
+          <a:ln>
+            <a:tailEnd type="triangle"/>
+          </a:ln>
+        </p:spPr>
+        <p:style>
+          <a:lnRef idx="1">
+            <a:schemeClr val="accent5"/>
+          </a:lnRef>
+          <a:fillRef idx="0">
+            <a:schemeClr val="accent5"/>
+          </a:fillRef>
+          <a:effectRef idx="0">
+            <a:schemeClr val="accent5"/>
+          </a:effectRef>
+          <a:fontRef idx="minor">
+            <a:schemeClr val="tx1"/>
+          </a:fontRef>
+        </p:style>
+      </p:cxnSp>
+      <p:sp>
+        <p:nvSpPr>
+          <p:cNvPr id="4" name="TextBox 3">
+            <a:extLst>
+              <a:ext uri="{FF2B5EF4-FFF2-40B4-BE49-F238E27FC236}">
+                <a16:creationId xmlns:a16="http://schemas.microsoft.com/office/drawing/2014/main" id="{98F534E8-1CA3-ECFC-1984-DB9B35612E6C}"/>
+              </a:ext>
+            </a:extLst>
+          </p:cNvPr>
+          <p:cNvSpPr txBox="1"/>
+          <p:nvPr/>
+        </p:nvSpPr>
+        <p:spPr>
+          <a:xfrm>
+            <a:off x="6846125" y="2517569"/>
+            <a:ext cx="184731" cy="369332"/>
+          </a:xfrm>
+          <a:prstGeom prst="rect">
+            <a:avLst/>
+          </a:prstGeom>
+          <a:noFill/>
+        </p:spPr>
+        <p:txBody>
+          <a:bodyPr wrap="none" rtlCol="0">
+            <a:spAutoFit/>
+          </a:bodyPr>
+          <a:lstStyle/>
+          <a:p>
+            <a:endParaRPr lang="en-IL" dirty="0"/>
+          </a:p>
+        </p:txBody>
+      </p:sp>
+      <p:sp>
+        <p:nvSpPr>
+          <p:cNvPr id="7" name="Can 6">
+            <a:extLst>
+              <a:ext uri="{FF2B5EF4-FFF2-40B4-BE49-F238E27FC236}">
+                <a16:creationId xmlns:a16="http://schemas.microsoft.com/office/drawing/2014/main" id="{DD380809-3391-476B-41A6-E6AE1D350720}"/>
+              </a:ext>
+            </a:extLst>
+          </p:cNvPr>
+          <p:cNvSpPr/>
+          <p:nvPr/>
+        </p:nvSpPr>
+        <p:spPr>
+          <a:xfrm>
+            <a:off x="9001496" y="3313216"/>
+            <a:ext cx="370060" cy="552202"/>
+          </a:xfrm>
+          <a:prstGeom prst="can">
+            <a:avLst/>
+          </a:prstGeom>
+        </p:spPr>
+        <p:style>
+          <a:lnRef idx="2">
+            <a:schemeClr val="accent1">
+              <a:shade val="50000"/>
+            </a:schemeClr>
+          </a:lnRef>
+          <a:fillRef idx="1">
+            <a:schemeClr val="accent1"/>
+          </a:fillRef>
+          <a:effectRef idx="0">
+            <a:schemeClr val="accent1"/>
+          </a:effectRef>
+          <a:fontRef idx="minor">
+            <a:schemeClr val="lt1"/>
+          </a:fontRef>
+        </p:style>
+        <p:txBody>
+          <a:bodyPr rtlCol="0" anchor="ctr"/>
+          <a:lstStyle/>
+          <a:p>
+            <a:pPr algn="ctr"/>
+            <a:endParaRPr lang="en-IL"/>
+          </a:p>
+        </p:txBody>
+      </p:sp>
+      <p:sp>
+        <p:nvSpPr>
+          <p:cNvPr id="12" name="Can 11">
+            <a:extLst>
+              <a:ext uri="{FF2B5EF4-FFF2-40B4-BE49-F238E27FC236}">
+                <a16:creationId xmlns:a16="http://schemas.microsoft.com/office/drawing/2014/main" id="{E19BF854-777D-7A6F-E570-207892F0198D}"/>
+              </a:ext>
+            </a:extLst>
+          </p:cNvPr>
+          <p:cNvSpPr/>
+          <p:nvPr/>
+        </p:nvSpPr>
+        <p:spPr>
+          <a:xfrm>
+            <a:off x="9826594" y="5033944"/>
+            <a:ext cx="338277" cy="488082"/>
+          </a:xfrm>
+          <a:prstGeom prst="can">
+            <a:avLst/>
+          </a:prstGeom>
+        </p:spPr>
+        <p:style>
+          <a:lnRef idx="2">
+            <a:schemeClr val="accent1">
+              <a:shade val="50000"/>
+            </a:schemeClr>
+          </a:lnRef>
+          <a:fillRef idx="1">
+            <a:schemeClr val="accent1"/>
+          </a:fillRef>
+          <a:effectRef idx="0">
+            <a:schemeClr val="accent1"/>
+          </a:effectRef>
+          <a:fontRef idx="minor">
+            <a:schemeClr val="lt1"/>
+          </a:fontRef>
+        </p:style>
+        <p:txBody>
+          <a:bodyPr rtlCol="0" anchor="ctr"/>
+          <a:lstStyle/>
+          <a:p>
+            <a:pPr algn="ctr"/>
+            <a:endParaRPr lang="en-IL"/>
+          </a:p>
+        </p:txBody>
+      </p:sp>
+      <p:cxnSp>
+        <p:nvCxnSpPr>
+          <p:cNvPr id="13" name="Straight Arrow Connector 12">
+            <a:extLst>
+              <a:ext uri="{FF2B5EF4-FFF2-40B4-BE49-F238E27FC236}">
+                <a16:creationId xmlns:a16="http://schemas.microsoft.com/office/drawing/2014/main" id="{C5EFAEF1-C350-DAAD-1283-A524358AD043}"/>
+              </a:ext>
+            </a:extLst>
+          </p:cNvPr>
+          <p:cNvCxnSpPr>
+            <a:cxnSpLocks/>
+            <a:endCxn id="12" idx="1"/>
+          </p:cNvCxnSpPr>
+          <p:nvPr/>
+        </p:nvCxnSpPr>
+        <p:spPr>
+          <a:xfrm>
+            <a:off x="9186526" y="3865418"/>
+            <a:ext cx="809207" cy="1168526"/>
+          </a:xfrm>
+          <a:prstGeom prst="straightConnector1">
+            <a:avLst/>
+          </a:prstGeom>
+          <a:ln>
+            <a:tailEnd type="triangle"/>
+          </a:ln>
+        </p:spPr>
+        <p:style>
+          <a:lnRef idx="1">
+            <a:schemeClr val="accent4"/>
+          </a:lnRef>
+          <a:fillRef idx="0">
+            <a:schemeClr val="accent4"/>
+          </a:fillRef>
+          <a:effectRef idx="0">
+            <a:schemeClr val="accent4"/>
+          </a:effectRef>
+          <a:fontRef idx="minor">
+            <a:schemeClr val="tx1"/>
+          </a:fontRef>
+        </p:style>
+      </p:cxnSp>
+    </p:spTree>
+    <p:extLst>
+      <p:ext uri="{BB962C8B-B14F-4D97-AF65-F5344CB8AC3E}">
+        <p14:creationId xmlns:p14="http://schemas.microsoft.com/office/powerpoint/2010/main" val="2519057407"/>
+      </p:ext>
+    </p:extLst>
+  </p:cSld>
+  <p:clrMapOvr>
+    <a:masterClrMapping/>
+  </p:clrMapOvr>
+</p:sld>
+</file>
+
+<file path=ppt/slides/slide16.xml><?xml version="1.0" encoding="utf-8"?>
+<p:sld xmlns:a="http://schemas.openxmlformats.org/drawingml/2006/main" xmlns:r="http://schemas.openxmlformats.org/officeDocument/2006/relationships" xmlns:p="http://schemas.openxmlformats.org/presentationml/2006/main">
+  <p:cSld>
+    <p:bg>
+      <p:bgPr>
+        <a:blipFill rotWithShape="1">
+          <a:blip r:embed="rId2">
+            <a:duotone>
+              <a:schemeClr val="bg2">
+                <a:shade val="18000"/>
+                <a:satMod val="160000"/>
+                <a:lumMod val="28000"/>
+              </a:schemeClr>
+              <a:schemeClr val="bg2">
+                <a:tint val="95000"/>
+                <a:satMod val="160000"/>
+                <a:lumMod val="116000"/>
+              </a:schemeClr>
+            </a:duotone>
+          </a:blip>
+          <a:stretch/>
+        </a:blipFill>
+        <a:effectLst/>
+      </p:bgPr>
+    </p:bg>
+    <p:spTree>
+      <p:nvGrpSpPr>
+        <p:cNvPr id="1" name=""/>
+        <p:cNvGrpSpPr/>
+        <p:nvPr/>
+      </p:nvGrpSpPr>
+      <p:grpSpPr>
+        <a:xfrm>
+          <a:off x="0" y="0"/>
+          <a:ext cx="0" cy="0"/>
+          <a:chOff x="0" y="0"/>
+          <a:chExt cx="0" cy="0"/>
+        </a:xfrm>
+      </p:grpSpPr>
+      <p:sp useBgFill="1">
+        <p:nvSpPr>
+          <p:cNvPr id="8" name="Rectangle 7">
+            <a:extLst>
+              <a:ext uri="{FF2B5EF4-FFF2-40B4-BE49-F238E27FC236}">
+                <a16:creationId xmlns:a16="http://schemas.microsoft.com/office/drawing/2014/main" id="{3BFBA67F-0D4D-4C2E-A1D7-82D080A4B3AD}"/>
+              </a:ext>
+              <a:ext uri="{C183D7F6-B498-43B3-948B-1728B52AA6E4}">
+                <adec:decorative xmlns:adec="http://schemas.microsoft.com/office/drawing/2017/decorative" val="1"/>
+              </a:ext>
+            </a:extLst>
+          </p:cNvPr>
+          <p:cNvSpPr>
+            <a:spLocks noGrp="1" noRot="1" noChangeAspect="1" noMove="1" noResize="1" noEditPoints="1" noAdjustHandles="1" noChangeArrowheads="1" noChangeShapeType="1" noTextEdit="1"/>
+          </p:cNvSpPr>
+          <p:nvPr>
+            <p:extLst>
+              <p:ext uri="{386F3935-93C4-4BCD-93E2-E3B085C9AB24}">
+                <p16:designElem xmlns:p16="http://schemas.microsoft.com/office/powerpoint/2015/main" val="1"/>
+              </p:ext>
+            </p:extLst>
+          </p:nvPr>
+        </p:nvSpPr>
+        <p:spPr>
+          <a:xfrm>
+            <a:off x="0" y="0"/>
+            <a:ext cx="12192000" cy="6858000"/>
+          </a:xfrm>
+          <a:prstGeom prst="rect">
+            <a:avLst/>
+          </a:prstGeom>
+          <a:ln>
+            <a:noFill/>
+          </a:ln>
+        </p:spPr>
+        <p:style>
+          <a:lnRef idx="2">
+            <a:schemeClr val="accent1">
+              <a:shade val="50000"/>
+            </a:schemeClr>
+          </a:lnRef>
+          <a:fillRef idx="1">
+            <a:schemeClr val="accent1"/>
+          </a:fillRef>
+          <a:effectRef idx="0">
+            <a:schemeClr val="accent1"/>
+          </a:effectRef>
+          <a:fontRef idx="minor">
+            <a:schemeClr val="lt1"/>
+          </a:fontRef>
+        </p:style>
+        <p:txBody>
+          <a:bodyPr rtlCol="0" anchor="ctr"/>
+          <a:lstStyle/>
+          <a:p>
+            <a:pPr algn="ctr"/>
+            <a:endParaRPr lang="en-US"/>
+          </a:p>
+        </p:txBody>
+      </p:sp>
+      <p:sp>
+        <p:nvSpPr>
           <p:cNvPr id="2" name="כותרת 1">
             <a:extLst>
               <a:ext uri="{FF2B5EF4-FFF2-40B4-BE49-F238E27FC236}">
@@ -9281,7 +9870,7 @@
 </p:sld>
 </file>
 
-<file path=ppt/slides/slide16.xml><?xml version="1.0" encoding="utf-8"?>
+<file path=ppt/slides/slide17.xml><?xml version="1.0" encoding="utf-8"?>
 <p:sld xmlns:a="http://schemas.openxmlformats.org/drawingml/2006/main" xmlns:r="http://schemas.openxmlformats.org/officeDocument/2006/relationships" xmlns:p="http://schemas.openxmlformats.org/presentationml/2006/main">
   <p:cSld>
     <p:bg>
@@ -9757,7 +10346,7 @@
 </p:sld>
 </file>
 
-<file path=ppt/slides/slide17.xml><?xml version="1.0" encoding="utf-8"?>
+<file path=ppt/slides/slide18.xml><?xml version="1.0" encoding="utf-8"?>
 <p:sld xmlns:a="http://schemas.openxmlformats.org/drawingml/2006/main" xmlns:r="http://schemas.openxmlformats.org/officeDocument/2006/relationships" xmlns:p="http://schemas.openxmlformats.org/presentationml/2006/main">
   <p:cSld>
     <p:bg>
@@ -10661,607 +11250,6 @@
 </p:sld>
 </file>
 
-<file path=ppt/slides/slide18.xml><?xml version="1.0" encoding="utf-8"?>
-<p:sld xmlns:a="http://schemas.openxmlformats.org/drawingml/2006/main" xmlns:r="http://schemas.openxmlformats.org/officeDocument/2006/relationships" xmlns:p="http://schemas.openxmlformats.org/presentationml/2006/main">
-  <p:cSld>
-    <p:bg>
-      <p:bgPr>
-        <a:blipFill rotWithShape="1">
-          <a:blip r:embed="rId2">
-            <a:duotone>
-              <a:schemeClr val="bg2">
-                <a:shade val="18000"/>
-                <a:satMod val="160000"/>
-                <a:lumMod val="28000"/>
-              </a:schemeClr>
-              <a:schemeClr val="bg2">
-                <a:tint val="95000"/>
-                <a:satMod val="160000"/>
-                <a:lumMod val="116000"/>
-              </a:schemeClr>
-            </a:duotone>
-          </a:blip>
-          <a:stretch/>
-        </a:blipFill>
-        <a:effectLst/>
-      </p:bgPr>
-    </p:bg>
-    <p:spTree>
-      <p:nvGrpSpPr>
-        <p:cNvPr id="1" name=""/>
-        <p:cNvGrpSpPr/>
-        <p:nvPr/>
-      </p:nvGrpSpPr>
-      <p:grpSpPr>
-        <a:xfrm>
-          <a:off x="0" y="0"/>
-          <a:ext cx="0" cy="0"/>
-          <a:chOff x="0" y="0"/>
-          <a:chExt cx="0" cy="0"/>
-        </a:xfrm>
-      </p:grpSpPr>
-      <p:sp useBgFill="1">
-        <p:nvSpPr>
-          <p:cNvPr id="8" name="Rectangle 7">
-            <a:extLst>
-              <a:ext uri="{FF2B5EF4-FFF2-40B4-BE49-F238E27FC236}">
-                <a16:creationId xmlns:a16="http://schemas.microsoft.com/office/drawing/2014/main" id="{3BFBA67F-0D4D-4C2E-A1D7-82D080A4B3AD}"/>
-              </a:ext>
-              <a:ext uri="{C183D7F6-B498-43B3-948B-1728B52AA6E4}">
-                <adec:decorative xmlns:adec="http://schemas.microsoft.com/office/drawing/2017/decorative" val="1"/>
-              </a:ext>
-            </a:extLst>
-          </p:cNvPr>
-          <p:cNvSpPr>
-            <a:spLocks noGrp="1" noRot="1" noChangeAspect="1" noMove="1" noResize="1" noEditPoints="1" noAdjustHandles="1" noChangeArrowheads="1" noChangeShapeType="1" noTextEdit="1"/>
-          </p:cNvSpPr>
-          <p:nvPr>
-            <p:extLst>
-              <p:ext uri="{386F3935-93C4-4BCD-93E2-E3B085C9AB24}">
-                <p16:designElem xmlns:p16="http://schemas.microsoft.com/office/powerpoint/2015/main" val="1"/>
-              </p:ext>
-            </p:extLst>
-          </p:nvPr>
-        </p:nvSpPr>
-        <p:spPr>
-          <a:xfrm>
-            <a:off x="0" y="0"/>
-            <a:ext cx="12192000" cy="6858000"/>
-          </a:xfrm>
-          <a:prstGeom prst="rect">
-            <a:avLst/>
-          </a:prstGeom>
-          <a:ln>
-            <a:noFill/>
-          </a:ln>
-        </p:spPr>
-        <p:style>
-          <a:lnRef idx="2">
-            <a:schemeClr val="accent1">
-              <a:shade val="50000"/>
-            </a:schemeClr>
-          </a:lnRef>
-          <a:fillRef idx="1">
-            <a:schemeClr val="accent1"/>
-          </a:fillRef>
-          <a:effectRef idx="0">
-            <a:schemeClr val="accent1"/>
-          </a:effectRef>
-          <a:fontRef idx="minor">
-            <a:schemeClr val="lt1"/>
-          </a:fontRef>
-        </p:style>
-        <p:txBody>
-          <a:bodyPr rtlCol="0" anchor="ctr"/>
-          <a:lstStyle/>
-          <a:p>
-            <a:pPr algn="ctr"/>
-            <a:endParaRPr lang="en-US"/>
-          </a:p>
-        </p:txBody>
-      </p:sp>
-      <p:sp>
-        <p:nvSpPr>
-          <p:cNvPr id="2" name="כותרת 1">
-            <a:extLst>
-              <a:ext uri="{FF2B5EF4-FFF2-40B4-BE49-F238E27FC236}">
-                <a16:creationId xmlns:a16="http://schemas.microsoft.com/office/drawing/2014/main" id="{D8B5AC4C-BAFA-4D9D-9FE4-D33C3994D036}"/>
-              </a:ext>
-            </a:extLst>
-          </p:cNvPr>
-          <p:cNvSpPr>
-            <a:spLocks noGrp="1"/>
-          </p:cNvSpPr>
-          <p:nvPr>
-            <p:ph type="title"/>
-          </p:nvPr>
-        </p:nvSpPr>
-        <p:spPr>
-          <a:xfrm>
-            <a:off x="913795" y="609600"/>
-            <a:ext cx="10353761" cy="1326321"/>
-          </a:xfrm>
-        </p:spPr>
-        <p:txBody>
-          <a:bodyPr>
-            <a:normAutofit/>
-          </a:bodyPr>
-          <a:lstStyle/>
-          <a:p>
-            <a:r>
-              <a:rPr lang="en-US" dirty="0"/>
-              <a:t>React - async</a:t>
-            </a:r>
-            <a:endParaRPr lang="he-IL" dirty="0"/>
-          </a:p>
-        </p:txBody>
-      </p:sp>
-      <p:sp>
-        <p:nvSpPr>
-          <p:cNvPr id="10" name="Rectangle 9">
-            <a:extLst>
-              <a:ext uri="{FF2B5EF4-FFF2-40B4-BE49-F238E27FC236}">
-                <a16:creationId xmlns:a16="http://schemas.microsoft.com/office/drawing/2014/main" id="{EFA2AC96-1E47-421C-A03F-F98E354EB4E6}"/>
-              </a:ext>
-              <a:ext uri="{C183D7F6-B498-43B3-948B-1728B52AA6E4}">
-                <adec:decorative xmlns:adec="http://schemas.microsoft.com/office/drawing/2017/decorative" val="1"/>
-              </a:ext>
-            </a:extLst>
-          </p:cNvPr>
-          <p:cNvSpPr>
-            <a:spLocks noGrp="1" noRot="1" noChangeAspect="1" noMove="1" noResize="1" noEditPoints="1" noAdjustHandles="1" noChangeArrowheads="1" noChangeShapeType="1" noTextEdit="1"/>
-          </p:cNvSpPr>
-          <p:nvPr>
-            <p:extLst>
-              <p:ext uri="{386F3935-93C4-4BCD-93E2-E3B085C9AB24}">
-                <p16:designElem xmlns:p16="http://schemas.microsoft.com/office/powerpoint/2015/main" val="1"/>
-              </p:ext>
-            </p:extLst>
-          </p:nvPr>
-        </p:nvSpPr>
-        <p:spPr>
-          <a:xfrm>
-            <a:off x="0" y="2095500"/>
-            <a:ext cx="12192000" cy="4762500"/>
-          </a:xfrm>
-          <a:prstGeom prst="rect">
-            <a:avLst/>
-          </a:prstGeom>
-          <a:solidFill>
-            <a:schemeClr val="bg1">
-              <a:alpha val="50000"/>
-            </a:schemeClr>
-          </a:solidFill>
-          <a:ln>
-            <a:noFill/>
-          </a:ln>
-        </p:spPr>
-        <p:style>
-          <a:lnRef idx="2">
-            <a:schemeClr val="accent1">
-              <a:shade val="50000"/>
-            </a:schemeClr>
-          </a:lnRef>
-          <a:fillRef idx="1001">
-            <a:schemeClr val="dk1"/>
-          </a:fillRef>
-          <a:effectRef idx="0">
-            <a:schemeClr val="accent1"/>
-          </a:effectRef>
-          <a:fontRef idx="minor">
-            <a:schemeClr val="lt1"/>
-          </a:fontRef>
-        </p:style>
-        <p:txBody>
-          <a:bodyPr rtlCol="0" anchor="ctr"/>
-          <a:lstStyle/>
-          <a:p>
-            <a:pPr algn="ctr"/>
-            <a:endParaRPr lang="en-US"/>
-          </a:p>
-        </p:txBody>
-      </p:sp>
-      <p:sp>
-        <p:nvSpPr>
-          <p:cNvPr id="11" name="תרשים זרימה: דיסק מגנטי 10">
-            <a:extLst>
-              <a:ext uri="{FF2B5EF4-FFF2-40B4-BE49-F238E27FC236}">
-                <a16:creationId xmlns:a16="http://schemas.microsoft.com/office/drawing/2014/main" id="{FE99DF52-A35E-490E-A0DE-A150FC96E4AD}"/>
-              </a:ext>
-            </a:extLst>
-          </p:cNvPr>
-          <p:cNvSpPr/>
-          <p:nvPr/>
-        </p:nvSpPr>
-        <p:spPr>
-          <a:xfrm>
-            <a:off x="9020080" y="1002331"/>
-            <a:ext cx="914400" cy="1178754"/>
-          </a:xfrm>
-          <a:prstGeom prst="flowChartMagneticDisk">
-            <a:avLst/>
-          </a:prstGeom>
-        </p:spPr>
-        <p:style>
-          <a:lnRef idx="2">
-            <a:schemeClr val="accent1">
-              <a:shade val="50000"/>
-            </a:schemeClr>
-          </a:lnRef>
-          <a:fillRef idx="1">
-            <a:schemeClr val="accent1"/>
-          </a:fillRef>
-          <a:effectRef idx="0">
-            <a:schemeClr val="accent1"/>
-          </a:effectRef>
-          <a:fontRef idx="minor">
-            <a:schemeClr val="lt1"/>
-          </a:fontRef>
-        </p:style>
-        <p:txBody>
-          <a:bodyPr rtlCol="1" anchor="ctr"/>
-          <a:lstStyle/>
-          <a:p>
-            <a:pPr algn="ctr"/>
-            <a:r>
-              <a:rPr lang="en-US" dirty="0"/>
-              <a:t>DB</a:t>
-            </a:r>
-            <a:endParaRPr lang="he-IL" dirty="0"/>
-          </a:p>
-        </p:txBody>
-      </p:sp>
-      <p:cxnSp>
-        <p:nvCxnSpPr>
-          <p:cNvPr id="14" name="מחבר חץ ישר 13">
-            <a:extLst>
-              <a:ext uri="{FF2B5EF4-FFF2-40B4-BE49-F238E27FC236}">
-                <a16:creationId xmlns:a16="http://schemas.microsoft.com/office/drawing/2014/main" id="{44D9D10D-48AB-42CF-AC0C-7D76596A40C3}"/>
-              </a:ext>
-            </a:extLst>
-          </p:cNvPr>
-          <p:cNvCxnSpPr>
-            <a:cxnSpLocks/>
-            <a:stCxn id="11" idx="3"/>
-            <a:endCxn id="19" idx="0"/>
-          </p:cNvCxnSpPr>
-          <p:nvPr/>
-        </p:nvCxnSpPr>
-        <p:spPr>
-          <a:xfrm>
-            <a:off x="9477280" y="2181085"/>
-            <a:ext cx="101694" cy="2153167"/>
-          </a:xfrm>
-          <a:prstGeom prst="straightConnector1">
-            <a:avLst/>
-          </a:prstGeom>
-          <a:ln>
-            <a:tailEnd type="triangle"/>
-          </a:ln>
-        </p:spPr>
-        <p:style>
-          <a:lnRef idx="1">
-            <a:schemeClr val="accent1"/>
-          </a:lnRef>
-          <a:fillRef idx="0">
-            <a:schemeClr val="accent1"/>
-          </a:fillRef>
-          <a:effectRef idx="0">
-            <a:schemeClr val="accent1"/>
-          </a:effectRef>
-          <a:fontRef idx="minor">
-            <a:schemeClr val="tx1"/>
-          </a:fontRef>
-        </p:style>
-      </p:cxnSp>
-      <p:sp>
-        <p:nvSpPr>
-          <p:cNvPr id="19" name="מלבן 18">
-            <a:extLst>
-              <a:ext uri="{FF2B5EF4-FFF2-40B4-BE49-F238E27FC236}">
-                <a16:creationId xmlns:a16="http://schemas.microsoft.com/office/drawing/2014/main" id="{935593BE-FF5E-48CA-9248-05FCB24E5FAD}"/>
-              </a:ext>
-            </a:extLst>
-          </p:cNvPr>
-          <p:cNvSpPr/>
-          <p:nvPr/>
-        </p:nvSpPr>
-        <p:spPr>
-          <a:xfrm>
-            <a:off x="8896349" y="4334252"/>
-            <a:ext cx="1365249" cy="2086735"/>
-          </a:xfrm>
-          <a:prstGeom prst="rect">
-            <a:avLst/>
-          </a:prstGeom>
-        </p:spPr>
-        <p:style>
-          <a:lnRef idx="2">
-            <a:schemeClr val="accent1">
-              <a:shade val="50000"/>
-            </a:schemeClr>
-          </a:lnRef>
-          <a:fillRef idx="1">
-            <a:schemeClr val="accent1"/>
-          </a:fillRef>
-          <a:effectRef idx="0">
-            <a:schemeClr val="accent1"/>
-          </a:effectRef>
-          <a:fontRef idx="minor">
-            <a:schemeClr val="lt1"/>
-          </a:fontRef>
-        </p:style>
-        <p:txBody>
-          <a:bodyPr rtlCol="1" anchor="ctr"/>
-          <a:lstStyle/>
-          <a:p>
-            <a:pPr algn="ctr"/>
-            <a:r>
-              <a:rPr lang="en-US" dirty="0"/>
-              <a:t>Page</a:t>
-            </a:r>
-            <a:endParaRPr lang="he-IL" dirty="0"/>
-          </a:p>
-        </p:txBody>
-      </p:sp>
-      <p:sp>
-        <p:nvSpPr>
-          <p:cNvPr id="4" name="מלבן 3">
-            <a:extLst>
-              <a:ext uri="{FF2B5EF4-FFF2-40B4-BE49-F238E27FC236}">
-                <a16:creationId xmlns:a16="http://schemas.microsoft.com/office/drawing/2014/main" id="{05D9F657-C2F6-45DF-A586-1C82B30CB925}"/>
-              </a:ext>
-            </a:extLst>
-          </p:cNvPr>
-          <p:cNvSpPr/>
-          <p:nvPr/>
-        </p:nvSpPr>
-        <p:spPr>
-          <a:xfrm>
-            <a:off x="9129252" y="4472109"/>
-            <a:ext cx="933911" cy="369332"/>
-          </a:xfrm>
-          <a:prstGeom prst="rect">
-            <a:avLst/>
-          </a:prstGeom>
-          <a:ln>
-            <a:solidFill>
-              <a:schemeClr val="tx1"/>
-            </a:solidFill>
-          </a:ln>
-        </p:spPr>
-        <p:style>
-          <a:lnRef idx="2">
-            <a:schemeClr val="accent1">
-              <a:shade val="50000"/>
-            </a:schemeClr>
-          </a:lnRef>
-          <a:fillRef idx="1">
-            <a:schemeClr val="accent1"/>
-          </a:fillRef>
-          <a:effectRef idx="0">
-            <a:schemeClr val="accent1"/>
-          </a:effectRef>
-          <a:fontRef idx="minor">
-            <a:schemeClr val="lt1"/>
-          </a:fontRef>
-        </p:style>
-        <p:txBody>
-          <a:bodyPr rtlCol="1" anchor="ctr"/>
-          <a:lstStyle/>
-          <a:p>
-            <a:pPr algn="ctr"/>
-            <a:r>
-              <a:rPr lang="en-US" sz="1000" dirty="0"/>
-              <a:t>Components</a:t>
-            </a:r>
-            <a:endParaRPr lang="he-IL" sz="1000" dirty="0"/>
-          </a:p>
-        </p:txBody>
-      </p:sp>
-      <p:sp>
-        <p:nvSpPr>
-          <p:cNvPr id="25" name="מלבן 24">
-            <a:extLst>
-              <a:ext uri="{FF2B5EF4-FFF2-40B4-BE49-F238E27FC236}">
-                <a16:creationId xmlns:a16="http://schemas.microsoft.com/office/drawing/2014/main" id="{8325423A-6F6D-4E62-87F2-1360577F2CA4}"/>
-              </a:ext>
-            </a:extLst>
-          </p:cNvPr>
-          <p:cNvSpPr/>
-          <p:nvPr/>
-        </p:nvSpPr>
-        <p:spPr>
-          <a:xfrm>
-            <a:off x="9129252" y="4843015"/>
-            <a:ext cx="933911" cy="369332"/>
-          </a:xfrm>
-          <a:prstGeom prst="rect">
-            <a:avLst/>
-          </a:prstGeom>
-          <a:ln>
-            <a:solidFill>
-              <a:schemeClr val="tx1"/>
-            </a:solidFill>
-          </a:ln>
-        </p:spPr>
-        <p:style>
-          <a:lnRef idx="2">
-            <a:schemeClr val="accent1">
-              <a:shade val="50000"/>
-            </a:schemeClr>
-          </a:lnRef>
-          <a:fillRef idx="1">
-            <a:schemeClr val="accent1"/>
-          </a:fillRef>
-          <a:effectRef idx="0">
-            <a:schemeClr val="accent1"/>
-          </a:effectRef>
-          <a:fontRef idx="minor">
-            <a:schemeClr val="lt1"/>
-          </a:fontRef>
-        </p:style>
-        <p:txBody>
-          <a:bodyPr rtlCol="1" anchor="ctr"/>
-          <a:lstStyle/>
-          <a:p>
-            <a:pPr algn="ctr"/>
-            <a:endParaRPr lang="he-IL"/>
-          </a:p>
-        </p:txBody>
-      </p:sp>
-      <p:sp>
-        <p:nvSpPr>
-          <p:cNvPr id="26" name="מלבן 25">
-            <a:extLst>
-              <a:ext uri="{FF2B5EF4-FFF2-40B4-BE49-F238E27FC236}">
-                <a16:creationId xmlns:a16="http://schemas.microsoft.com/office/drawing/2014/main" id="{5DDB15BC-D109-44E2-9DD2-C3F592E187E2}"/>
-              </a:ext>
-            </a:extLst>
-          </p:cNvPr>
-          <p:cNvSpPr/>
-          <p:nvPr/>
-        </p:nvSpPr>
-        <p:spPr>
-          <a:xfrm>
-            <a:off x="9121773" y="5561327"/>
-            <a:ext cx="933911" cy="369332"/>
-          </a:xfrm>
-          <a:prstGeom prst="rect">
-            <a:avLst/>
-          </a:prstGeom>
-          <a:ln>
-            <a:solidFill>
-              <a:schemeClr val="tx1"/>
-            </a:solidFill>
-          </a:ln>
-        </p:spPr>
-        <p:style>
-          <a:lnRef idx="2">
-            <a:schemeClr val="accent1">
-              <a:shade val="50000"/>
-            </a:schemeClr>
-          </a:lnRef>
-          <a:fillRef idx="1">
-            <a:schemeClr val="accent1"/>
-          </a:fillRef>
-          <a:effectRef idx="0">
-            <a:schemeClr val="accent1"/>
-          </a:effectRef>
-          <a:fontRef idx="minor">
-            <a:schemeClr val="lt1"/>
-          </a:fontRef>
-        </p:style>
-        <p:txBody>
-          <a:bodyPr rtlCol="1" anchor="ctr"/>
-          <a:lstStyle/>
-          <a:p>
-            <a:pPr algn="ctr"/>
-            <a:endParaRPr lang="he-IL"/>
-          </a:p>
-        </p:txBody>
-      </p:sp>
-      <p:sp>
-        <p:nvSpPr>
-          <p:cNvPr id="27" name="מלבן 26">
-            <a:extLst>
-              <a:ext uri="{FF2B5EF4-FFF2-40B4-BE49-F238E27FC236}">
-                <a16:creationId xmlns:a16="http://schemas.microsoft.com/office/drawing/2014/main" id="{82214686-B9B6-4FC5-A164-480A7D9ECFDC}"/>
-              </a:ext>
-            </a:extLst>
-          </p:cNvPr>
-          <p:cNvSpPr/>
-          <p:nvPr/>
-        </p:nvSpPr>
-        <p:spPr>
-          <a:xfrm>
-            <a:off x="9112017" y="5931521"/>
-            <a:ext cx="933911" cy="369332"/>
-          </a:xfrm>
-          <a:prstGeom prst="rect">
-            <a:avLst/>
-          </a:prstGeom>
-          <a:ln>
-            <a:solidFill>
-              <a:schemeClr val="tx1"/>
-            </a:solidFill>
-          </a:ln>
-        </p:spPr>
-        <p:style>
-          <a:lnRef idx="2">
-            <a:schemeClr val="accent1">
-              <a:shade val="50000"/>
-            </a:schemeClr>
-          </a:lnRef>
-          <a:fillRef idx="1">
-            <a:schemeClr val="accent1"/>
-          </a:fillRef>
-          <a:effectRef idx="0">
-            <a:schemeClr val="accent1"/>
-          </a:effectRef>
-          <a:fontRef idx="minor">
-            <a:schemeClr val="lt1"/>
-          </a:fontRef>
-        </p:style>
-        <p:txBody>
-          <a:bodyPr rtlCol="1" anchor="ctr"/>
-          <a:lstStyle/>
-          <a:p>
-            <a:pPr algn="ctr"/>
-            <a:endParaRPr lang="he-IL"/>
-          </a:p>
-        </p:txBody>
-      </p:sp>
-      <p:sp>
-        <p:nvSpPr>
-          <p:cNvPr id="42" name="TextBox 27">
-            <a:extLst>
-              <a:ext uri="{FF2B5EF4-FFF2-40B4-BE49-F238E27FC236}">
-                <a16:creationId xmlns:a16="http://schemas.microsoft.com/office/drawing/2014/main" id="{F6CE90DA-18E6-9C4B-85DB-2B05417EF194}"/>
-              </a:ext>
-            </a:extLst>
-          </p:cNvPr>
-          <p:cNvSpPr txBox="1"/>
-          <p:nvPr/>
-        </p:nvSpPr>
-        <p:spPr>
-          <a:xfrm>
-            <a:off x="8300010" y="3046099"/>
-            <a:ext cx="1624013" cy="369332"/>
-          </a:xfrm>
-          <a:prstGeom prst="rect">
-            <a:avLst/>
-          </a:prstGeom>
-          <a:noFill/>
-        </p:spPr>
-        <p:txBody>
-          <a:bodyPr wrap="square" rtlCol="1">
-            <a:spAutoFit/>
-          </a:bodyPr>
-          <a:lstStyle/>
-          <a:p>
-            <a:pPr algn="ctr"/>
-            <a:r>
-              <a:rPr lang="en-US" dirty="0"/>
-              <a:t>async</a:t>
-            </a:r>
-            <a:endParaRPr lang="he-IL" dirty="0"/>
-          </a:p>
-        </p:txBody>
-      </p:sp>
-    </p:spTree>
-    <p:extLst>
-      <p:ext uri="{BB962C8B-B14F-4D97-AF65-F5344CB8AC3E}">
-        <p14:creationId xmlns:p14="http://schemas.microsoft.com/office/powerpoint/2010/main" val="1264534458"/>
-      </p:ext>
-    </p:extLst>
-  </p:cSld>
-  <p:clrMapOvr>
-    <a:masterClrMapping/>
-  </p:clrMapOvr>
-</p:sld>
-</file>
-
 <file path=ppt/slides/slide19.xml><?xml version="1.0" encoding="utf-8"?>
 <p:sld xmlns:a="http://schemas.openxmlformats.org/drawingml/2006/main" xmlns:r="http://schemas.openxmlformats.org/officeDocument/2006/relationships" xmlns:p="http://schemas.openxmlformats.org/presentationml/2006/main">
   <p:cSld>
@@ -11363,6 +11351,42 @@
       </p:sp>
       <p:sp>
         <p:nvSpPr>
+          <p:cNvPr id="2" name="כותרת 1">
+            <a:extLst>
+              <a:ext uri="{FF2B5EF4-FFF2-40B4-BE49-F238E27FC236}">
+                <a16:creationId xmlns:a16="http://schemas.microsoft.com/office/drawing/2014/main" id="{D8B5AC4C-BAFA-4D9D-9FE4-D33C3994D036}"/>
+              </a:ext>
+            </a:extLst>
+          </p:cNvPr>
+          <p:cNvSpPr>
+            <a:spLocks noGrp="1"/>
+          </p:cNvSpPr>
+          <p:nvPr>
+            <p:ph type="title"/>
+          </p:nvPr>
+        </p:nvSpPr>
+        <p:spPr>
+          <a:xfrm>
+            <a:off x="913795" y="609600"/>
+            <a:ext cx="10353761" cy="1326321"/>
+          </a:xfrm>
+        </p:spPr>
+        <p:txBody>
+          <a:bodyPr>
+            <a:normAutofit/>
+          </a:bodyPr>
+          <a:lstStyle/>
+          <a:p>
+            <a:r>
+              <a:rPr lang="en-US" dirty="0"/>
+              <a:t>React - async</a:t>
+            </a:r>
+            <a:endParaRPr lang="he-IL" dirty="0"/>
+          </a:p>
+        </p:txBody>
+      </p:sp>
+      <p:sp>
+        <p:nvSpPr>
           <p:cNvPr id="10" name="Rectangle 9">
             <a:extLst>
               <a:ext uri="{FF2B5EF4-FFF2-40B4-BE49-F238E27FC236}">
@@ -11814,82 +11838,10 @@
           </a:p>
         </p:txBody>
       </p:sp>
-      <p:pic>
-        <p:nvPicPr>
-          <p:cNvPr id="5" name="Picture 4" descr="Text&#10;&#10;Description automatically generated">
-            <a:extLst>
-              <a:ext uri="{FF2B5EF4-FFF2-40B4-BE49-F238E27FC236}">
-                <a16:creationId xmlns:a16="http://schemas.microsoft.com/office/drawing/2014/main" id="{FD997C49-4579-DF45-83E2-B624C21CE647}"/>
-              </a:ext>
-            </a:extLst>
-          </p:cNvPr>
-          <p:cNvPicPr>
-            <a:picLocks noChangeAspect="1"/>
-          </p:cNvPicPr>
-          <p:nvPr/>
-        </p:nvPicPr>
-        <p:blipFill>
-          <a:blip r:embed="rId3">
-            <a:extLst>
-              <a:ext uri="{28A0092B-C50C-407E-A947-70E740481C1C}">
-                <a14:useLocalDpi xmlns:a14="http://schemas.microsoft.com/office/drawing/2010/main" val="0"/>
-              </a:ext>
-            </a:extLst>
-          </a:blip>
-          <a:stretch>
-            <a:fillRect/>
-          </a:stretch>
-        </p:blipFill>
-        <p:spPr>
-          <a:xfrm>
-            <a:off x="0" y="0"/>
-            <a:ext cx="6779623" cy="6858000"/>
-          </a:xfrm>
-          <a:prstGeom prst="rect">
-            <a:avLst/>
-          </a:prstGeom>
-        </p:spPr>
-      </p:pic>
-      <p:sp>
-        <p:nvSpPr>
-          <p:cNvPr id="2" name="כותרת 1">
-            <a:extLst>
-              <a:ext uri="{FF2B5EF4-FFF2-40B4-BE49-F238E27FC236}">
-                <a16:creationId xmlns:a16="http://schemas.microsoft.com/office/drawing/2014/main" id="{D8B5AC4C-BAFA-4D9D-9FE4-D33C3994D036}"/>
-              </a:ext>
-            </a:extLst>
-          </p:cNvPr>
-          <p:cNvSpPr>
-            <a:spLocks noGrp="1"/>
-          </p:cNvSpPr>
-          <p:nvPr>
-            <p:ph type="title"/>
-          </p:nvPr>
-        </p:nvSpPr>
-        <p:spPr>
-          <a:xfrm>
-            <a:off x="913795" y="609600"/>
-            <a:ext cx="10353761" cy="1326321"/>
-          </a:xfrm>
-        </p:spPr>
-        <p:txBody>
-          <a:bodyPr>
-            <a:normAutofit/>
-          </a:bodyPr>
-          <a:lstStyle/>
-          <a:p>
-            <a:r>
-              <a:rPr lang="en-US" dirty="0"/>
-              <a:t>React - async</a:t>
-            </a:r>
-            <a:endParaRPr lang="he-IL" dirty="0"/>
-          </a:p>
-        </p:txBody>
-      </p:sp>
     </p:spTree>
     <p:extLst>
       <p:ext uri="{BB962C8B-B14F-4D97-AF65-F5344CB8AC3E}">
-        <p14:creationId xmlns:p14="http://schemas.microsoft.com/office/powerpoint/2010/main" val="2551980796"/>
+        <p14:creationId xmlns:p14="http://schemas.microsoft.com/office/powerpoint/2010/main" val="1264534458"/>
       </p:ext>
     </p:extLst>
   </p:cSld>
@@ -12283,6 +12235,643 @@
 </file>
 
 <file path=ppt/slides/slide20.xml><?xml version="1.0" encoding="utf-8"?>
+<p:sld xmlns:a="http://schemas.openxmlformats.org/drawingml/2006/main" xmlns:r="http://schemas.openxmlformats.org/officeDocument/2006/relationships" xmlns:p="http://schemas.openxmlformats.org/presentationml/2006/main">
+  <p:cSld>
+    <p:bg>
+      <p:bgPr>
+        <a:blipFill rotWithShape="1">
+          <a:blip r:embed="rId2">
+            <a:duotone>
+              <a:schemeClr val="bg2">
+                <a:shade val="18000"/>
+                <a:satMod val="160000"/>
+                <a:lumMod val="28000"/>
+              </a:schemeClr>
+              <a:schemeClr val="bg2">
+                <a:tint val="95000"/>
+                <a:satMod val="160000"/>
+                <a:lumMod val="116000"/>
+              </a:schemeClr>
+            </a:duotone>
+          </a:blip>
+          <a:stretch/>
+        </a:blipFill>
+        <a:effectLst/>
+      </p:bgPr>
+    </p:bg>
+    <p:spTree>
+      <p:nvGrpSpPr>
+        <p:cNvPr id="1" name=""/>
+        <p:cNvGrpSpPr/>
+        <p:nvPr/>
+      </p:nvGrpSpPr>
+      <p:grpSpPr>
+        <a:xfrm>
+          <a:off x="0" y="0"/>
+          <a:ext cx="0" cy="0"/>
+          <a:chOff x="0" y="0"/>
+          <a:chExt cx="0" cy="0"/>
+        </a:xfrm>
+      </p:grpSpPr>
+      <p:sp useBgFill="1">
+        <p:nvSpPr>
+          <p:cNvPr id="8" name="Rectangle 7">
+            <a:extLst>
+              <a:ext uri="{FF2B5EF4-FFF2-40B4-BE49-F238E27FC236}">
+                <a16:creationId xmlns:a16="http://schemas.microsoft.com/office/drawing/2014/main" id="{3BFBA67F-0D4D-4C2E-A1D7-82D080A4B3AD}"/>
+              </a:ext>
+              <a:ext uri="{C183D7F6-B498-43B3-948B-1728B52AA6E4}">
+                <adec:decorative xmlns:adec="http://schemas.microsoft.com/office/drawing/2017/decorative" val="1"/>
+              </a:ext>
+            </a:extLst>
+          </p:cNvPr>
+          <p:cNvSpPr>
+            <a:spLocks noGrp="1" noRot="1" noChangeAspect="1" noMove="1" noResize="1" noEditPoints="1" noAdjustHandles="1" noChangeArrowheads="1" noChangeShapeType="1" noTextEdit="1"/>
+          </p:cNvSpPr>
+          <p:nvPr>
+            <p:extLst>
+              <p:ext uri="{386F3935-93C4-4BCD-93E2-E3B085C9AB24}">
+                <p16:designElem xmlns:p16="http://schemas.microsoft.com/office/powerpoint/2015/main" val="1"/>
+              </p:ext>
+            </p:extLst>
+          </p:nvPr>
+        </p:nvSpPr>
+        <p:spPr>
+          <a:xfrm>
+            <a:off x="0" y="0"/>
+            <a:ext cx="12192000" cy="6858000"/>
+          </a:xfrm>
+          <a:prstGeom prst="rect">
+            <a:avLst/>
+          </a:prstGeom>
+          <a:ln>
+            <a:noFill/>
+          </a:ln>
+        </p:spPr>
+        <p:style>
+          <a:lnRef idx="2">
+            <a:schemeClr val="accent1">
+              <a:shade val="50000"/>
+            </a:schemeClr>
+          </a:lnRef>
+          <a:fillRef idx="1">
+            <a:schemeClr val="accent1"/>
+          </a:fillRef>
+          <a:effectRef idx="0">
+            <a:schemeClr val="accent1"/>
+          </a:effectRef>
+          <a:fontRef idx="minor">
+            <a:schemeClr val="lt1"/>
+          </a:fontRef>
+        </p:style>
+        <p:txBody>
+          <a:bodyPr rtlCol="0" anchor="ctr"/>
+          <a:lstStyle/>
+          <a:p>
+            <a:pPr algn="ctr"/>
+            <a:endParaRPr lang="en-US"/>
+          </a:p>
+        </p:txBody>
+      </p:sp>
+      <p:sp>
+        <p:nvSpPr>
+          <p:cNvPr id="10" name="Rectangle 9">
+            <a:extLst>
+              <a:ext uri="{FF2B5EF4-FFF2-40B4-BE49-F238E27FC236}">
+                <a16:creationId xmlns:a16="http://schemas.microsoft.com/office/drawing/2014/main" id="{EFA2AC96-1E47-421C-A03F-F98E354EB4E6}"/>
+              </a:ext>
+              <a:ext uri="{C183D7F6-B498-43B3-948B-1728B52AA6E4}">
+                <adec:decorative xmlns:adec="http://schemas.microsoft.com/office/drawing/2017/decorative" val="1"/>
+              </a:ext>
+            </a:extLst>
+          </p:cNvPr>
+          <p:cNvSpPr>
+            <a:spLocks noGrp="1" noRot="1" noChangeAspect="1" noMove="1" noResize="1" noEditPoints="1" noAdjustHandles="1" noChangeArrowheads="1" noChangeShapeType="1" noTextEdit="1"/>
+          </p:cNvSpPr>
+          <p:nvPr>
+            <p:extLst>
+              <p:ext uri="{386F3935-93C4-4BCD-93E2-E3B085C9AB24}">
+                <p16:designElem xmlns:p16="http://schemas.microsoft.com/office/powerpoint/2015/main" val="1"/>
+              </p:ext>
+            </p:extLst>
+          </p:nvPr>
+        </p:nvSpPr>
+        <p:spPr>
+          <a:xfrm>
+            <a:off x="0" y="2095500"/>
+            <a:ext cx="12192000" cy="4762500"/>
+          </a:xfrm>
+          <a:prstGeom prst="rect">
+            <a:avLst/>
+          </a:prstGeom>
+          <a:solidFill>
+            <a:schemeClr val="bg1">
+              <a:alpha val="50000"/>
+            </a:schemeClr>
+          </a:solidFill>
+          <a:ln>
+            <a:noFill/>
+          </a:ln>
+        </p:spPr>
+        <p:style>
+          <a:lnRef idx="2">
+            <a:schemeClr val="accent1">
+              <a:shade val="50000"/>
+            </a:schemeClr>
+          </a:lnRef>
+          <a:fillRef idx="1001">
+            <a:schemeClr val="dk1"/>
+          </a:fillRef>
+          <a:effectRef idx="0">
+            <a:schemeClr val="accent1"/>
+          </a:effectRef>
+          <a:fontRef idx="minor">
+            <a:schemeClr val="lt1"/>
+          </a:fontRef>
+        </p:style>
+        <p:txBody>
+          <a:bodyPr rtlCol="0" anchor="ctr"/>
+          <a:lstStyle/>
+          <a:p>
+            <a:pPr algn="ctr"/>
+            <a:endParaRPr lang="en-US"/>
+          </a:p>
+        </p:txBody>
+      </p:sp>
+      <p:sp>
+        <p:nvSpPr>
+          <p:cNvPr id="11" name="תרשים זרימה: דיסק מגנטי 10">
+            <a:extLst>
+              <a:ext uri="{FF2B5EF4-FFF2-40B4-BE49-F238E27FC236}">
+                <a16:creationId xmlns:a16="http://schemas.microsoft.com/office/drawing/2014/main" id="{FE99DF52-A35E-490E-A0DE-A150FC96E4AD}"/>
+              </a:ext>
+            </a:extLst>
+          </p:cNvPr>
+          <p:cNvSpPr/>
+          <p:nvPr/>
+        </p:nvSpPr>
+        <p:spPr>
+          <a:xfrm>
+            <a:off x="9020080" y="1002331"/>
+            <a:ext cx="914400" cy="1178754"/>
+          </a:xfrm>
+          <a:prstGeom prst="flowChartMagneticDisk">
+            <a:avLst/>
+          </a:prstGeom>
+        </p:spPr>
+        <p:style>
+          <a:lnRef idx="2">
+            <a:schemeClr val="accent1">
+              <a:shade val="50000"/>
+            </a:schemeClr>
+          </a:lnRef>
+          <a:fillRef idx="1">
+            <a:schemeClr val="accent1"/>
+          </a:fillRef>
+          <a:effectRef idx="0">
+            <a:schemeClr val="accent1"/>
+          </a:effectRef>
+          <a:fontRef idx="minor">
+            <a:schemeClr val="lt1"/>
+          </a:fontRef>
+        </p:style>
+        <p:txBody>
+          <a:bodyPr rtlCol="1" anchor="ctr"/>
+          <a:lstStyle/>
+          <a:p>
+            <a:pPr algn="ctr"/>
+            <a:r>
+              <a:rPr lang="en-US" dirty="0"/>
+              <a:t>DB</a:t>
+            </a:r>
+            <a:endParaRPr lang="he-IL" dirty="0"/>
+          </a:p>
+        </p:txBody>
+      </p:sp>
+      <p:cxnSp>
+        <p:nvCxnSpPr>
+          <p:cNvPr id="14" name="מחבר חץ ישר 13">
+            <a:extLst>
+              <a:ext uri="{FF2B5EF4-FFF2-40B4-BE49-F238E27FC236}">
+                <a16:creationId xmlns:a16="http://schemas.microsoft.com/office/drawing/2014/main" id="{44D9D10D-48AB-42CF-AC0C-7D76596A40C3}"/>
+              </a:ext>
+            </a:extLst>
+          </p:cNvPr>
+          <p:cNvCxnSpPr>
+            <a:cxnSpLocks/>
+            <a:stCxn id="11" idx="3"/>
+            <a:endCxn id="19" idx="0"/>
+          </p:cNvCxnSpPr>
+          <p:nvPr/>
+        </p:nvCxnSpPr>
+        <p:spPr>
+          <a:xfrm>
+            <a:off x="9477280" y="2181085"/>
+            <a:ext cx="101694" cy="2153167"/>
+          </a:xfrm>
+          <a:prstGeom prst="straightConnector1">
+            <a:avLst/>
+          </a:prstGeom>
+          <a:ln>
+            <a:tailEnd type="triangle"/>
+          </a:ln>
+        </p:spPr>
+        <p:style>
+          <a:lnRef idx="1">
+            <a:schemeClr val="accent1"/>
+          </a:lnRef>
+          <a:fillRef idx="0">
+            <a:schemeClr val="accent1"/>
+          </a:fillRef>
+          <a:effectRef idx="0">
+            <a:schemeClr val="accent1"/>
+          </a:effectRef>
+          <a:fontRef idx="minor">
+            <a:schemeClr val="tx1"/>
+          </a:fontRef>
+        </p:style>
+      </p:cxnSp>
+      <p:sp>
+        <p:nvSpPr>
+          <p:cNvPr id="19" name="מלבן 18">
+            <a:extLst>
+              <a:ext uri="{FF2B5EF4-FFF2-40B4-BE49-F238E27FC236}">
+                <a16:creationId xmlns:a16="http://schemas.microsoft.com/office/drawing/2014/main" id="{935593BE-FF5E-48CA-9248-05FCB24E5FAD}"/>
+              </a:ext>
+            </a:extLst>
+          </p:cNvPr>
+          <p:cNvSpPr/>
+          <p:nvPr/>
+        </p:nvSpPr>
+        <p:spPr>
+          <a:xfrm>
+            <a:off x="8896349" y="4334252"/>
+            <a:ext cx="1365249" cy="2086735"/>
+          </a:xfrm>
+          <a:prstGeom prst="rect">
+            <a:avLst/>
+          </a:prstGeom>
+        </p:spPr>
+        <p:style>
+          <a:lnRef idx="2">
+            <a:schemeClr val="accent1">
+              <a:shade val="50000"/>
+            </a:schemeClr>
+          </a:lnRef>
+          <a:fillRef idx="1">
+            <a:schemeClr val="accent1"/>
+          </a:fillRef>
+          <a:effectRef idx="0">
+            <a:schemeClr val="accent1"/>
+          </a:effectRef>
+          <a:fontRef idx="minor">
+            <a:schemeClr val="lt1"/>
+          </a:fontRef>
+        </p:style>
+        <p:txBody>
+          <a:bodyPr rtlCol="1" anchor="ctr"/>
+          <a:lstStyle/>
+          <a:p>
+            <a:pPr algn="ctr"/>
+            <a:r>
+              <a:rPr lang="en-US" dirty="0"/>
+              <a:t>Page</a:t>
+            </a:r>
+            <a:endParaRPr lang="he-IL" dirty="0"/>
+          </a:p>
+        </p:txBody>
+      </p:sp>
+      <p:sp>
+        <p:nvSpPr>
+          <p:cNvPr id="4" name="מלבן 3">
+            <a:extLst>
+              <a:ext uri="{FF2B5EF4-FFF2-40B4-BE49-F238E27FC236}">
+                <a16:creationId xmlns:a16="http://schemas.microsoft.com/office/drawing/2014/main" id="{05D9F657-C2F6-45DF-A586-1C82B30CB925}"/>
+              </a:ext>
+            </a:extLst>
+          </p:cNvPr>
+          <p:cNvSpPr/>
+          <p:nvPr/>
+        </p:nvSpPr>
+        <p:spPr>
+          <a:xfrm>
+            <a:off x="9129252" y="4472109"/>
+            <a:ext cx="933911" cy="369332"/>
+          </a:xfrm>
+          <a:prstGeom prst="rect">
+            <a:avLst/>
+          </a:prstGeom>
+          <a:ln>
+            <a:solidFill>
+              <a:schemeClr val="tx1"/>
+            </a:solidFill>
+          </a:ln>
+        </p:spPr>
+        <p:style>
+          <a:lnRef idx="2">
+            <a:schemeClr val="accent1">
+              <a:shade val="50000"/>
+            </a:schemeClr>
+          </a:lnRef>
+          <a:fillRef idx="1">
+            <a:schemeClr val="accent1"/>
+          </a:fillRef>
+          <a:effectRef idx="0">
+            <a:schemeClr val="accent1"/>
+          </a:effectRef>
+          <a:fontRef idx="minor">
+            <a:schemeClr val="lt1"/>
+          </a:fontRef>
+        </p:style>
+        <p:txBody>
+          <a:bodyPr rtlCol="1" anchor="ctr"/>
+          <a:lstStyle/>
+          <a:p>
+            <a:pPr algn="ctr"/>
+            <a:r>
+              <a:rPr lang="en-US" sz="1000" dirty="0"/>
+              <a:t>Components</a:t>
+            </a:r>
+            <a:endParaRPr lang="he-IL" sz="1000" dirty="0"/>
+          </a:p>
+        </p:txBody>
+      </p:sp>
+      <p:sp>
+        <p:nvSpPr>
+          <p:cNvPr id="25" name="מלבן 24">
+            <a:extLst>
+              <a:ext uri="{FF2B5EF4-FFF2-40B4-BE49-F238E27FC236}">
+                <a16:creationId xmlns:a16="http://schemas.microsoft.com/office/drawing/2014/main" id="{8325423A-6F6D-4E62-87F2-1360577F2CA4}"/>
+              </a:ext>
+            </a:extLst>
+          </p:cNvPr>
+          <p:cNvSpPr/>
+          <p:nvPr/>
+        </p:nvSpPr>
+        <p:spPr>
+          <a:xfrm>
+            <a:off x="9129252" y="4843015"/>
+            <a:ext cx="933911" cy="369332"/>
+          </a:xfrm>
+          <a:prstGeom prst="rect">
+            <a:avLst/>
+          </a:prstGeom>
+          <a:ln>
+            <a:solidFill>
+              <a:schemeClr val="tx1"/>
+            </a:solidFill>
+          </a:ln>
+        </p:spPr>
+        <p:style>
+          <a:lnRef idx="2">
+            <a:schemeClr val="accent1">
+              <a:shade val="50000"/>
+            </a:schemeClr>
+          </a:lnRef>
+          <a:fillRef idx="1">
+            <a:schemeClr val="accent1"/>
+          </a:fillRef>
+          <a:effectRef idx="0">
+            <a:schemeClr val="accent1"/>
+          </a:effectRef>
+          <a:fontRef idx="minor">
+            <a:schemeClr val="lt1"/>
+          </a:fontRef>
+        </p:style>
+        <p:txBody>
+          <a:bodyPr rtlCol="1" anchor="ctr"/>
+          <a:lstStyle/>
+          <a:p>
+            <a:pPr algn="ctr"/>
+            <a:endParaRPr lang="he-IL"/>
+          </a:p>
+        </p:txBody>
+      </p:sp>
+      <p:sp>
+        <p:nvSpPr>
+          <p:cNvPr id="26" name="מלבן 25">
+            <a:extLst>
+              <a:ext uri="{FF2B5EF4-FFF2-40B4-BE49-F238E27FC236}">
+                <a16:creationId xmlns:a16="http://schemas.microsoft.com/office/drawing/2014/main" id="{5DDB15BC-D109-44E2-9DD2-C3F592E187E2}"/>
+              </a:ext>
+            </a:extLst>
+          </p:cNvPr>
+          <p:cNvSpPr/>
+          <p:nvPr/>
+        </p:nvSpPr>
+        <p:spPr>
+          <a:xfrm>
+            <a:off x="9121773" y="5561327"/>
+            <a:ext cx="933911" cy="369332"/>
+          </a:xfrm>
+          <a:prstGeom prst="rect">
+            <a:avLst/>
+          </a:prstGeom>
+          <a:ln>
+            <a:solidFill>
+              <a:schemeClr val="tx1"/>
+            </a:solidFill>
+          </a:ln>
+        </p:spPr>
+        <p:style>
+          <a:lnRef idx="2">
+            <a:schemeClr val="accent1">
+              <a:shade val="50000"/>
+            </a:schemeClr>
+          </a:lnRef>
+          <a:fillRef idx="1">
+            <a:schemeClr val="accent1"/>
+          </a:fillRef>
+          <a:effectRef idx="0">
+            <a:schemeClr val="accent1"/>
+          </a:effectRef>
+          <a:fontRef idx="minor">
+            <a:schemeClr val="lt1"/>
+          </a:fontRef>
+        </p:style>
+        <p:txBody>
+          <a:bodyPr rtlCol="1" anchor="ctr"/>
+          <a:lstStyle/>
+          <a:p>
+            <a:pPr algn="ctr"/>
+            <a:endParaRPr lang="he-IL"/>
+          </a:p>
+        </p:txBody>
+      </p:sp>
+      <p:sp>
+        <p:nvSpPr>
+          <p:cNvPr id="27" name="מלבן 26">
+            <a:extLst>
+              <a:ext uri="{FF2B5EF4-FFF2-40B4-BE49-F238E27FC236}">
+                <a16:creationId xmlns:a16="http://schemas.microsoft.com/office/drawing/2014/main" id="{82214686-B9B6-4FC5-A164-480A7D9ECFDC}"/>
+              </a:ext>
+            </a:extLst>
+          </p:cNvPr>
+          <p:cNvSpPr/>
+          <p:nvPr/>
+        </p:nvSpPr>
+        <p:spPr>
+          <a:xfrm>
+            <a:off x="9112017" y="5931521"/>
+            <a:ext cx="933911" cy="369332"/>
+          </a:xfrm>
+          <a:prstGeom prst="rect">
+            <a:avLst/>
+          </a:prstGeom>
+          <a:ln>
+            <a:solidFill>
+              <a:schemeClr val="tx1"/>
+            </a:solidFill>
+          </a:ln>
+        </p:spPr>
+        <p:style>
+          <a:lnRef idx="2">
+            <a:schemeClr val="accent1">
+              <a:shade val="50000"/>
+            </a:schemeClr>
+          </a:lnRef>
+          <a:fillRef idx="1">
+            <a:schemeClr val="accent1"/>
+          </a:fillRef>
+          <a:effectRef idx="0">
+            <a:schemeClr val="accent1"/>
+          </a:effectRef>
+          <a:fontRef idx="minor">
+            <a:schemeClr val="lt1"/>
+          </a:fontRef>
+        </p:style>
+        <p:txBody>
+          <a:bodyPr rtlCol="1" anchor="ctr"/>
+          <a:lstStyle/>
+          <a:p>
+            <a:pPr algn="ctr"/>
+            <a:endParaRPr lang="he-IL"/>
+          </a:p>
+        </p:txBody>
+      </p:sp>
+      <p:sp>
+        <p:nvSpPr>
+          <p:cNvPr id="42" name="TextBox 27">
+            <a:extLst>
+              <a:ext uri="{FF2B5EF4-FFF2-40B4-BE49-F238E27FC236}">
+                <a16:creationId xmlns:a16="http://schemas.microsoft.com/office/drawing/2014/main" id="{F6CE90DA-18E6-9C4B-85DB-2B05417EF194}"/>
+              </a:ext>
+            </a:extLst>
+          </p:cNvPr>
+          <p:cNvSpPr txBox="1"/>
+          <p:nvPr/>
+        </p:nvSpPr>
+        <p:spPr>
+          <a:xfrm>
+            <a:off x="8300010" y="3046099"/>
+            <a:ext cx="1624013" cy="369332"/>
+          </a:xfrm>
+          <a:prstGeom prst="rect">
+            <a:avLst/>
+          </a:prstGeom>
+          <a:noFill/>
+        </p:spPr>
+        <p:txBody>
+          <a:bodyPr wrap="square" rtlCol="1">
+            <a:spAutoFit/>
+          </a:bodyPr>
+          <a:lstStyle/>
+          <a:p>
+            <a:pPr algn="ctr"/>
+            <a:r>
+              <a:rPr lang="en-US" dirty="0"/>
+              <a:t>async</a:t>
+            </a:r>
+            <a:endParaRPr lang="he-IL" dirty="0"/>
+          </a:p>
+        </p:txBody>
+      </p:sp>
+      <p:pic>
+        <p:nvPicPr>
+          <p:cNvPr id="5" name="Picture 4" descr="Text&#10;&#10;Description automatically generated">
+            <a:extLst>
+              <a:ext uri="{FF2B5EF4-FFF2-40B4-BE49-F238E27FC236}">
+                <a16:creationId xmlns:a16="http://schemas.microsoft.com/office/drawing/2014/main" id="{FD997C49-4579-DF45-83E2-B624C21CE647}"/>
+              </a:ext>
+            </a:extLst>
+          </p:cNvPr>
+          <p:cNvPicPr>
+            <a:picLocks noChangeAspect="1"/>
+          </p:cNvPicPr>
+          <p:nvPr/>
+        </p:nvPicPr>
+        <p:blipFill>
+          <a:blip r:embed="rId3">
+            <a:extLst>
+              <a:ext uri="{28A0092B-C50C-407E-A947-70E740481C1C}">
+                <a14:useLocalDpi xmlns:a14="http://schemas.microsoft.com/office/drawing/2010/main" val="0"/>
+              </a:ext>
+            </a:extLst>
+          </a:blip>
+          <a:stretch>
+            <a:fillRect/>
+          </a:stretch>
+        </p:blipFill>
+        <p:spPr>
+          <a:xfrm>
+            <a:off x="0" y="0"/>
+            <a:ext cx="6779623" cy="6858000"/>
+          </a:xfrm>
+          <a:prstGeom prst="rect">
+            <a:avLst/>
+          </a:prstGeom>
+        </p:spPr>
+      </p:pic>
+      <p:sp>
+        <p:nvSpPr>
+          <p:cNvPr id="2" name="כותרת 1">
+            <a:extLst>
+              <a:ext uri="{FF2B5EF4-FFF2-40B4-BE49-F238E27FC236}">
+                <a16:creationId xmlns:a16="http://schemas.microsoft.com/office/drawing/2014/main" id="{D8B5AC4C-BAFA-4D9D-9FE4-D33C3994D036}"/>
+              </a:ext>
+            </a:extLst>
+          </p:cNvPr>
+          <p:cNvSpPr>
+            <a:spLocks noGrp="1"/>
+          </p:cNvSpPr>
+          <p:nvPr>
+            <p:ph type="title"/>
+          </p:nvPr>
+        </p:nvSpPr>
+        <p:spPr>
+          <a:xfrm>
+            <a:off x="913795" y="609600"/>
+            <a:ext cx="10353761" cy="1326321"/>
+          </a:xfrm>
+        </p:spPr>
+        <p:txBody>
+          <a:bodyPr>
+            <a:normAutofit/>
+          </a:bodyPr>
+          <a:lstStyle/>
+          <a:p>
+            <a:r>
+              <a:rPr lang="en-US" dirty="0"/>
+              <a:t>React - async</a:t>
+            </a:r>
+            <a:endParaRPr lang="he-IL" dirty="0"/>
+          </a:p>
+        </p:txBody>
+      </p:sp>
+    </p:spTree>
+    <p:extLst>
+      <p:ext uri="{BB962C8B-B14F-4D97-AF65-F5344CB8AC3E}">
+        <p14:creationId xmlns:p14="http://schemas.microsoft.com/office/powerpoint/2010/main" val="2551980796"/>
+      </p:ext>
+    </p:extLst>
+  </p:cSld>
+  <p:clrMapOvr>
+    <a:masterClrMapping/>
+  </p:clrMapOvr>
+</p:sld>
+</file>
+
+<file path=ppt/slides/slide21.xml><?xml version="1.0" encoding="utf-8"?>
 <p:sld xmlns:a="http://schemas.openxmlformats.org/drawingml/2006/main" xmlns:r="http://schemas.openxmlformats.org/officeDocument/2006/relationships" xmlns:p="http://schemas.openxmlformats.org/presentationml/2006/main">
   <p:cSld>
     <p:bg>
@@ -13503,7 +14092,7 @@
 </p:sld>
 </file>
 
-<file path=ppt/slides/slide21.xml><?xml version="1.0" encoding="utf-8"?>
+<file path=ppt/slides/slide22.xml><?xml version="1.0" encoding="utf-8"?>
 <p:sld xmlns:a="http://schemas.openxmlformats.org/drawingml/2006/main" xmlns:r="http://schemas.openxmlformats.org/officeDocument/2006/relationships" xmlns:p="http://schemas.openxmlformats.org/presentationml/2006/main">
   <p:cSld>
     <p:bg>
@@ -14521,7 +15110,7 @@
 </p:sld>
 </file>
 
-<file path=ppt/slides/slide22.xml><?xml version="1.0" encoding="utf-8"?>
+<file path=ppt/slides/slide23.xml><?xml version="1.0" encoding="utf-8"?>
 <p:sld xmlns:a="http://schemas.openxmlformats.org/drawingml/2006/main" xmlns:r="http://schemas.openxmlformats.org/officeDocument/2006/relationships" xmlns:p="http://schemas.openxmlformats.org/presentationml/2006/main">
   <p:cSld>
     <p:bg>
@@ -15868,7 +16457,7 @@
 </p:sld>
 </file>
 
-<file path=ppt/slides/slide23.xml><?xml version="1.0" encoding="utf-8"?>
+<file path=ppt/slides/slide24.xml><?xml version="1.0" encoding="utf-8"?>
 <p:sld xmlns:a="http://schemas.openxmlformats.org/drawingml/2006/main" xmlns:r="http://schemas.openxmlformats.org/officeDocument/2006/relationships" xmlns:p="http://schemas.openxmlformats.org/presentationml/2006/main">
   <p:cSld>
     <p:bg>
@@ -16917,526 +17506,6 @@
 </p:sld>
 </file>
 
-<file path=ppt/slides/slide24.xml><?xml version="1.0" encoding="utf-8"?>
-<p:sld xmlns:a="http://schemas.openxmlformats.org/drawingml/2006/main" xmlns:r="http://schemas.openxmlformats.org/officeDocument/2006/relationships" xmlns:p="http://schemas.openxmlformats.org/presentationml/2006/main" show="0">
-  <p:cSld>
-    <p:bg>
-      <p:bgPr>
-        <a:blipFill rotWithShape="1">
-          <a:blip r:embed="rId2">
-            <a:duotone>
-              <a:schemeClr val="bg2">
-                <a:shade val="18000"/>
-                <a:satMod val="160000"/>
-                <a:lumMod val="28000"/>
-              </a:schemeClr>
-              <a:schemeClr val="bg2">
-                <a:tint val="95000"/>
-                <a:satMod val="160000"/>
-                <a:lumMod val="116000"/>
-              </a:schemeClr>
-            </a:duotone>
-          </a:blip>
-          <a:stretch/>
-        </a:blipFill>
-        <a:effectLst/>
-      </p:bgPr>
-    </p:bg>
-    <p:spTree>
-      <p:nvGrpSpPr>
-        <p:cNvPr id="1" name=""/>
-        <p:cNvGrpSpPr/>
-        <p:nvPr/>
-      </p:nvGrpSpPr>
-      <p:grpSpPr>
-        <a:xfrm>
-          <a:off x="0" y="0"/>
-          <a:ext cx="0" cy="0"/>
-          <a:chOff x="0" y="0"/>
-          <a:chExt cx="0" cy="0"/>
-        </a:xfrm>
-      </p:grpSpPr>
-      <p:sp useBgFill="1">
-        <p:nvSpPr>
-          <p:cNvPr id="8" name="Rectangle 7">
-            <a:extLst>
-              <a:ext uri="{FF2B5EF4-FFF2-40B4-BE49-F238E27FC236}">
-                <a16:creationId xmlns:a16="http://schemas.microsoft.com/office/drawing/2014/main" id="{3BFBA67F-0D4D-4C2E-A1D7-82D080A4B3AD}"/>
-              </a:ext>
-              <a:ext uri="{C183D7F6-B498-43B3-948B-1728B52AA6E4}">
-                <adec:decorative xmlns:adec="http://schemas.microsoft.com/office/drawing/2017/decorative" val="1"/>
-              </a:ext>
-            </a:extLst>
-          </p:cNvPr>
-          <p:cNvSpPr>
-            <a:spLocks noGrp="1" noRot="1" noChangeAspect="1" noMove="1" noResize="1" noEditPoints="1" noAdjustHandles="1" noChangeArrowheads="1" noChangeShapeType="1" noTextEdit="1"/>
-          </p:cNvSpPr>
-          <p:nvPr>
-            <p:extLst>
-              <p:ext uri="{386F3935-93C4-4BCD-93E2-E3B085C9AB24}">
-                <p16:designElem xmlns:p16="http://schemas.microsoft.com/office/powerpoint/2015/main" val="1"/>
-              </p:ext>
-            </p:extLst>
-          </p:nvPr>
-        </p:nvSpPr>
-        <p:spPr>
-          <a:xfrm>
-            <a:off x="0" y="0"/>
-            <a:ext cx="12192000" cy="6858000"/>
-          </a:xfrm>
-          <a:prstGeom prst="rect">
-            <a:avLst/>
-          </a:prstGeom>
-          <a:ln>
-            <a:noFill/>
-          </a:ln>
-        </p:spPr>
-        <p:style>
-          <a:lnRef idx="2">
-            <a:schemeClr val="accent1">
-              <a:shade val="50000"/>
-            </a:schemeClr>
-          </a:lnRef>
-          <a:fillRef idx="1">
-            <a:schemeClr val="accent1"/>
-          </a:fillRef>
-          <a:effectRef idx="0">
-            <a:schemeClr val="accent1"/>
-          </a:effectRef>
-          <a:fontRef idx="minor">
-            <a:schemeClr val="lt1"/>
-          </a:fontRef>
-        </p:style>
-        <p:txBody>
-          <a:bodyPr rtlCol="0" anchor="ctr"/>
-          <a:lstStyle/>
-          <a:p>
-            <a:pPr algn="ctr"/>
-            <a:endParaRPr lang="en-US"/>
-          </a:p>
-        </p:txBody>
-      </p:sp>
-      <p:sp>
-        <p:nvSpPr>
-          <p:cNvPr id="2" name="כותרת 1">
-            <a:extLst>
-              <a:ext uri="{FF2B5EF4-FFF2-40B4-BE49-F238E27FC236}">
-                <a16:creationId xmlns:a16="http://schemas.microsoft.com/office/drawing/2014/main" id="{D8B5AC4C-BAFA-4D9D-9FE4-D33C3994D036}"/>
-              </a:ext>
-            </a:extLst>
-          </p:cNvPr>
-          <p:cNvSpPr>
-            <a:spLocks noGrp="1"/>
-          </p:cNvSpPr>
-          <p:nvPr>
-            <p:ph type="title"/>
-          </p:nvPr>
-        </p:nvSpPr>
-        <p:spPr>
-          <a:xfrm>
-            <a:off x="913795" y="609600"/>
-            <a:ext cx="10353761" cy="1326321"/>
-          </a:xfrm>
-        </p:spPr>
-        <p:txBody>
-          <a:bodyPr>
-            <a:normAutofit/>
-          </a:bodyPr>
-          <a:lstStyle/>
-          <a:p>
-            <a:r>
-              <a:rPr lang="en-US" dirty="0"/>
-              <a:t>Passing props</a:t>
-            </a:r>
-            <a:endParaRPr lang="he-IL" dirty="0"/>
-          </a:p>
-        </p:txBody>
-      </p:sp>
-      <p:sp>
-        <p:nvSpPr>
-          <p:cNvPr id="10" name="Rectangle 9">
-            <a:extLst>
-              <a:ext uri="{FF2B5EF4-FFF2-40B4-BE49-F238E27FC236}">
-                <a16:creationId xmlns:a16="http://schemas.microsoft.com/office/drawing/2014/main" id="{EFA2AC96-1E47-421C-A03F-F98E354EB4E6}"/>
-              </a:ext>
-              <a:ext uri="{C183D7F6-B498-43B3-948B-1728B52AA6E4}">
-                <adec:decorative xmlns:adec="http://schemas.microsoft.com/office/drawing/2017/decorative" val="1"/>
-              </a:ext>
-            </a:extLst>
-          </p:cNvPr>
-          <p:cNvSpPr>
-            <a:spLocks noGrp="1" noRot="1" noChangeAspect="1" noMove="1" noResize="1" noEditPoints="1" noAdjustHandles="1" noChangeArrowheads="1" noChangeShapeType="1" noTextEdit="1"/>
-          </p:cNvSpPr>
-          <p:nvPr>
-            <p:extLst>
-              <p:ext uri="{386F3935-93C4-4BCD-93E2-E3B085C9AB24}">
-                <p16:designElem xmlns:p16="http://schemas.microsoft.com/office/powerpoint/2015/main" val="1"/>
-              </p:ext>
-            </p:extLst>
-          </p:nvPr>
-        </p:nvSpPr>
-        <p:spPr>
-          <a:xfrm>
-            <a:off x="0" y="2095500"/>
-            <a:ext cx="12192000" cy="4762500"/>
-          </a:xfrm>
-          <a:prstGeom prst="rect">
-            <a:avLst/>
-          </a:prstGeom>
-          <a:solidFill>
-            <a:schemeClr val="bg1">
-              <a:alpha val="50000"/>
-            </a:schemeClr>
-          </a:solidFill>
-          <a:ln>
-            <a:noFill/>
-          </a:ln>
-        </p:spPr>
-        <p:style>
-          <a:lnRef idx="2">
-            <a:schemeClr val="accent1">
-              <a:shade val="50000"/>
-            </a:schemeClr>
-          </a:lnRef>
-          <a:fillRef idx="1001">
-            <a:schemeClr val="dk1"/>
-          </a:fillRef>
-          <a:effectRef idx="0">
-            <a:schemeClr val="accent1"/>
-          </a:effectRef>
-          <a:fontRef idx="minor">
-            <a:schemeClr val="lt1"/>
-          </a:fontRef>
-        </p:style>
-        <p:txBody>
-          <a:bodyPr rtlCol="0" anchor="ctr"/>
-          <a:lstStyle/>
-          <a:p>
-            <a:pPr algn="ctr"/>
-            <a:endParaRPr lang="en-US"/>
-          </a:p>
-        </p:txBody>
-      </p:sp>
-      <p:sp>
-        <p:nvSpPr>
-          <p:cNvPr id="19" name="מלבן 18">
-            <a:extLst>
-              <a:ext uri="{FF2B5EF4-FFF2-40B4-BE49-F238E27FC236}">
-                <a16:creationId xmlns:a16="http://schemas.microsoft.com/office/drawing/2014/main" id="{935593BE-FF5E-48CA-9248-05FCB24E5FAD}"/>
-              </a:ext>
-            </a:extLst>
-          </p:cNvPr>
-          <p:cNvSpPr/>
-          <p:nvPr/>
-        </p:nvSpPr>
-        <p:spPr>
-          <a:xfrm>
-            <a:off x="6840415" y="1935922"/>
-            <a:ext cx="3421183" cy="4485066"/>
-          </a:xfrm>
-          <a:prstGeom prst="rect">
-            <a:avLst/>
-          </a:prstGeom>
-        </p:spPr>
-        <p:style>
-          <a:lnRef idx="2">
-            <a:schemeClr val="accent1">
-              <a:shade val="50000"/>
-            </a:schemeClr>
-          </a:lnRef>
-          <a:fillRef idx="1">
-            <a:schemeClr val="accent1"/>
-          </a:fillRef>
-          <a:effectRef idx="0">
-            <a:schemeClr val="accent1"/>
-          </a:effectRef>
-          <a:fontRef idx="minor">
-            <a:schemeClr val="lt1"/>
-          </a:fontRef>
-        </p:style>
-        <p:txBody>
-          <a:bodyPr rtlCol="1" anchor="ctr"/>
-          <a:lstStyle/>
-          <a:p>
-            <a:pPr algn="ctr"/>
-            <a:endParaRPr lang="he-IL" dirty="0"/>
-          </a:p>
-        </p:txBody>
-      </p:sp>
-      <p:sp>
-        <p:nvSpPr>
-          <p:cNvPr id="4" name="מלבן 3">
-            <a:extLst>
-              <a:ext uri="{FF2B5EF4-FFF2-40B4-BE49-F238E27FC236}">
-                <a16:creationId xmlns:a16="http://schemas.microsoft.com/office/drawing/2014/main" id="{05D9F657-C2F6-45DF-A586-1C82B30CB925}"/>
-              </a:ext>
-            </a:extLst>
-          </p:cNvPr>
-          <p:cNvSpPr/>
-          <p:nvPr/>
-        </p:nvSpPr>
-        <p:spPr>
-          <a:xfrm>
-            <a:off x="7810406" y="3228145"/>
-            <a:ext cx="1544610" cy="974578"/>
-          </a:xfrm>
-          <a:prstGeom prst="rect">
-            <a:avLst/>
-          </a:prstGeom>
-          <a:ln>
-            <a:solidFill>
-              <a:schemeClr val="tx1"/>
-            </a:solidFill>
-          </a:ln>
-        </p:spPr>
-        <p:style>
-          <a:lnRef idx="2">
-            <a:schemeClr val="accent1">
-              <a:shade val="50000"/>
-            </a:schemeClr>
-          </a:lnRef>
-          <a:fillRef idx="1">
-            <a:schemeClr val="accent1"/>
-          </a:fillRef>
-          <a:effectRef idx="0">
-            <a:schemeClr val="accent1"/>
-          </a:effectRef>
-          <a:fontRef idx="minor">
-            <a:schemeClr val="lt1"/>
-          </a:fontRef>
-        </p:style>
-        <p:txBody>
-          <a:bodyPr rtlCol="1" anchor="ctr"/>
-          <a:lstStyle/>
-          <a:p>
-            <a:pPr algn="ctr"/>
-            <a:r>
-              <a:rPr lang="en-US" dirty="0"/>
-              <a:t>Components</a:t>
-            </a:r>
-            <a:endParaRPr lang="he-IL" dirty="0"/>
-          </a:p>
-        </p:txBody>
-      </p:sp>
-      <p:cxnSp>
-        <p:nvCxnSpPr>
-          <p:cNvPr id="6" name="Straight Arrow Connector 5"/>
-          <p:cNvCxnSpPr/>
-          <p:nvPr/>
-        </p:nvCxnSpPr>
-        <p:spPr>
-          <a:xfrm>
-            <a:off x="7974623" y="2743200"/>
-            <a:ext cx="677008" cy="773723"/>
-          </a:xfrm>
-          <a:prstGeom prst="straightConnector1">
-            <a:avLst/>
-          </a:prstGeom>
-          <a:ln>
-            <a:solidFill>
-              <a:schemeClr val="tx1"/>
-            </a:solidFill>
-            <a:tailEnd type="triangle"/>
-          </a:ln>
-        </p:spPr>
-        <p:style>
-          <a:lnRef idx="1">
-            <a:schemeClr val="accent1"/>
-          </a:lnRef>
-          <a:fillRef idx="0">
-            <a:schemeClr val="accent1"/>
-          </a:fillRef>
-          <a:effectRef idx="0">
-            <a:schemeClr val="accent1"/>
-          </a:effectRef>
-          <a:fontRef idx="minor">
-            <a:schemeClr val="tx1"/>
-          </a:fontRef>
-        </p:style>
-      </p:cxnSp>
-      <p:sp>
-        <p:nvSpPr>
-          <p:cNvPr id="9" name="TextBox 8"/>
-          <p:cNvSpPr txBox="1"/>
-          <p:nvPr/>
-        </p:nvSpPr>
-        <p:spPr>
-          <a:xfrm>
-            <a:off x="7567199" y="2398955"/>
-            <a:ext cx="1041889" cy="307777"/>
-          </a:xfrm>
-          <a:prstGeom prst="rect">
-            <a:avLst/>
-          </a:prstGeom>
-          <a:noFill/>
-        </p:spPr>
-        <p:txBody>
-          <a:bodyPr wrap="square" rtlCol="0">
-            <a:spAutoFit/>
-          </a:bodyPr>
-          <a:lstStyle/>
-          <a:p>
-            <a:r>
-              <a:rPr lang="en-US" sz="1400" dirty="0"/>
-              <a:t>Props</a:t>
-            </a:r>
-          </a:p>
-        </p:txBody>
-      </p:sp>
-      <p:sp>
-        <p:nvSpPr>
-          <p:cNvPr id="16" name="Rectangle 15"/>
-          <p:cNvSpPr/>
-          <p:nvPr/>
-        </p:nvSpPr>
-        <p:spPr>
-          <a:xfrm>
-            <a:off x="2677509" y="2337400"/>
-            <a:ext cx="3862724" cy="369332"/>
-          </a:xfrm>
-          <a:prstGeom prst="rect">
-            <a:avLst/>
-          </a:prstGeom>
-        </p:spPr>
-        <p:txBody>
-          <a:bodyPr wrap="none">
-            <a:spAutoFit/>
-          </a:bodyPr>
-          <a:lstStyle/>
-          <a:p>
-            <a:r>
-              <a:rPr lang="en-US" dirty="0"/>
-              <a:t>&lt;Components title=‘something’ /&gt;</a:t>
-            </a:r>
-          </a:p>
-        </p:txBody>
-      </p:sp>
-      <p:sp>
-        <p:nvSpPr>
-          <p:cNvPr id="30" name="Rectangle 29"/>
-          <p:cNvSpPr/>
-          <p:nvPr/>
-        </p:nvSpPr>
-        <p:spPr>
-          <a:xfrm>
-            <a:off x="3205698" y="3846755"/>
-            <a:ext cx="2806346" cy="369332"/>
-          </a:xfrm>
-          <a:prstGeom prst="rect">
-            <a:avLst/>
-          </a:prstGeom>
-        </p:spPr>
-        <p:txBody>
-          <a:bodyPr wrap="none">
-            <a:spAutoFit/>
-          </a:bodyPr>
-          <a:lstStyle/>
-          <a:p>
-            <a:r>
-              <a:rPr lang="en-US" dirty="0"/>
-              <a:t>&lt;div&gt;{</a:t>
-            </a:r>
-            <a:r>
-              <a:rPr lang="en-US" dirty="0" err="1"/>
-              <a:t>props.title</a:t>
-            </a:r>
-            <a:r>
-              <a:rPr lang="en-US" dirty="0"/>
-              <a:t>}&lt;/div&gt;</a:t>
-            </a:r>
-          </a:p>
-        </p:txBody>
-      </p:sp>
-      <p:cxnSp>
-        <p:nvCxnSpPr>
-          <p:cNvPr id="23" name="Straight Connector 22"/>
-          <p:cNvCxnSpPr>
-            <a:stCxn id="4" idx="1"/>
-            <a:endCxn id="30" idx="3"/>
-          </p:cNvCxnSpPr>
-          <p:nvPr/>
-        </p:nvCxnSpPr>
-        <p:spPr>
-          <a:xfrm flipH="1">
-            <a:off x="6012044" y="3715434"/>
-            <a:ext cx="1798362" cy="315987"/>
-          </a:xfrm>
-          <a:prstGeom prst="line">
-            <a:avLst/>
-          </a:prstGeom>
-          <a:ln>
-            <a:solidFill>
-              <a:schemeClr val="tx1"/>
-            </a:solidFill>
-            <a:prstDash val="dash"/>
-          </a:ln>
-        </p:spPr>
-        <p:style>
-          <a:lnRef idx="1">
-            <a:schemeClr val="accent1"/>
-          </a:lnRef>
-          <a:fillRef idx="0">
-            <a:schemeClr val="accent1"/>
-          </a:fillRef>
-          <a:effectRef idx="0">
-            <a:schemeClr val="accent1"/>
-          </a:effectRef>
-          <a:fontRef idx="minor">
-            <a:schemeClr val="tx1"/>
-          </a:fontRef>
-        </p:style>
-      </p:cxnSp>
-      <p:cxnSp>
-        <p:nvCxnSpPr>
-          <p:cNvPr id="31" name="Straight Connector 30"/>
-          <p:cNvCxnSpPr>
-            <a:endCxn id="16" idx="3"/>
-          </p:cNvCxnSpPr>
-          <p:nvPr/>
-        </p:nvCxnSpPr>
-        <p:spPr>
-          <a:xfrm flipH="1" flipV="1">
-            <a:off x="6540233" y="2522066"/>
-            <a:ext cx="1524087" cy="546500"/>
-          </a:xfrm>
-          <a:prstGeom prst="line">
-            <a:avLst/>
-          </a:prstGeom>
-          <a:ln>
-            <a:solidFill>
-              <a:schemeClr val="tx1"/>
-            </a:solidFill>
-            <a:prstDash val="dash"/>
-          </a:ln>
-        </p:spPr>
-        <p:style>
-          <a:lnRef idx="1">
-            <a:schemeClr val="accent1"/>
-          </a:lnRef>
-          <a:fillRef idx="0">
-            <a:schemeClr val="accent1"/>
-          </a:fillRef>
-          <a:effectRef idx="0">
-            <a:schemeClr val="accent1"/>
-          </a:effectRef>
-          <a:fontRef idx="minor">
-            <a:schemeClr val="tx1"/>
-          </a:fontRef>
-        </p:style>
-      </p:cxnSp>
-    </p:spTree>
-    <p:extLst>
-      <p:ext uri="{BB962C8B-B14F-4D97-AF65-F5344CB8AC3E}">
-        <p14:creationId xmlns:p14="http://schemas.microsoft.com/office/powerpoint/2010/main" val="1431238210"/>
-      </p:ext>
-    </p:extLst>
-  </p:cSld>
-  <p:clrMapOvr>
-    <a:masterClrMapping/>
-  </p:clrMapOvr>
-</p:sld>
-</file>
-
 <file path=ppt/slides/slide25.xml><?xml version="1.0" encoding="utf-8"?>
 <p:sld xmlns:a="http://schemas.openxmlformats.org/drawingml/2006/main" xmlns:r="http://schemas.openxmlformats.org/officeDocument/2006/relationships" xmlns:p="http://schemas.openxmlformats.org/presentationml/2006/main" show="0">
   <p:cSld>
@@ -17566,6 +17635,526 @@
           <a:p>
             <a:r>
               <a:rPr lang="en-US" dirty="0"/>
+              <a:t>Passing props</a:t>
+            </a:r>
+            <a:endParaRPr lang="he-IL" dirty="0"/>
+          </a:p>
+        </p:txBody>
+      </p:sp>
+      <p:sp>
+        <p:nvSpPr>
+          <p:cNvPr id="10" name="Rectangle 9">
+            <a:extLst>
+              <a:ext uri="{FF2B5EF4-FFF2-40B4-BE49-F238E27FC236}">
+                <a16:creationId xmlns:a16="http://schemas.microsoft.com/office/drawing/2014/main" id="{EFA2AC96-1E47-421C-A03F-F98E354EB4E6}"/>
+              </a:ext>
+              <a:ext uri="{C183D7F6-B498-43B3-948B-1728B52AA6E4}">
+                <adec:decorative xmlns:adec="http://schemas.microsoft.com/office/drawing/2017/decorative" val="1"/>
+              </a:ext>
+            </a:extLst>
+          </p:cNvPr>
+          <p:cNvSpPr>
+            <a:spLocks noGrp="1" noRot="1" noChangeAspect="1" noMove="1" noResize="1" noEditPoints="1" noAdjustHandles="1" noChangeArrowheads="1" noChangeShapeType="1" noTextEdit="1"/>
+          </p:cNvSpPr>
+          <p:nvPr>
+            <p:extLst>
+              <p:ext uri="{386F3935-93C4-4BCD-93E2-E3B085C9AB24}">
+                <p16:designElem xmlns:p16="http://schemas.microsoft.com/office/powerpoint/2015/main" val="1"/>
+              </p:ext>
+            </p:extLst>
+          </p:nvPr>
+        </p:nvSpPr>
+        <p:spPr>
+          <a:xfrm>
+            <a:off x="0" y="2095500"/>
+            <a:ext cx="12192000" cy="4762500"/>
+          </a:xfrm>
+          <a:prstGeom prst="rect">
+            <a:avLst/>
+          </a:prstGeom>
+          <a:solidFill>
+            <a:schemeClr val="bg1">
+              <a:alpha val="50000"/>
+            </a:schemeClr>
+          </a:solidFill>
+          <a:ln>
+            <a:noFill/>
+          </a:ln>
+        </p:spPr>
+        <p:style>
+          <a:lnRef idx="2">
+            <a:schemeClr val="accent1">
+              <a:shade val="50000"/>
+            </a:schemeClr>
+          </a:lnRef>
+          <a:fillRef idx="1001">
+            <a:schemeClr val="dk1"/>
+          </a:fillRef>
+          <a:effectRef idx="0">
+            <a:schemeClr val="accent1"/>
+          </a:effectRef>
+          <a:fontRef idx="minor">
+            <a:schemeClr val="lt1"/>
+          </a:fontRef>
+        </p:style>
+        <p:txBody>
+          <a:bodyPr rtlCol="0" anchor="ctr"/>
+          <a:lstStyle/>
+          <a:p>
+            <a:pPr algn="ctr"/>
+            <a:endParaRPr lang="en-US"/>
+          </a:p>
+        </p:txBody>
+      </p:sp>
+      <p:sp>
+        <p:nvSpPr>
+          <p:cNvPr id="19" name="מלבן 18">
+            <a:extLst>
+              <a:ext uri="{FF2B5EF4-FFF2-40B4-BE49-F238E27FC236}">
+                <a16:creationId xmlns:a16="http://schemas.microsoft.com/office/drawing/2014/main" id="{935593BE-FF5E-48CA-9248-05FCB24E5FAD}"/>
+              </a:ext>
+            </a:extLst>
+          </p:cNvPr>
+          <p:cNvSpPr/>
+          <p:nvPr/>
+        </p:nvSpPr>
+        <p:spPr>
+          <a:xfrm>
+            <a:off x="6840415" y="1935922"/>
+            <a:ext cx="3421183" cy="4485066"/>
+          </a:xfrm>
+          <a:prstGeom prst="rect">
+            <a:avLst/>
+          </a:prstGeom>
+        </p:spPr>
+        <p:style>
+          <a:lnRef idx="2">
+            <a:schemeClr val="accent1">
+              <a:shade val="50000"/>
+            </a:schemeClr>
+          </a:lnRef>
+          <a:fillRef idx="1">
+            <a:schemeClr val="accent1"/>
+          </a:fillRef>
+          <a:effectRef idx="0">
+            <a:schemeClr val="accent1"/>
+          </a:effectRef>
+          <a:fontRef idx="minor">
+            <a:schemeClr val="lt1"/>
+          </a:fontRef>
+        </p:style>
+        <p:txBody>
+          <a:bodyPr rtlCol="1" anchor="ctr"/>
+          <a:lstStyle/>
+          <a:p>
+            <a:pPr algn="ctr"/>
+            <a:endParaRPr lang="he-IL" dirty="0"/>
+          </a:p>
+        </p:txBody>
+      </p:sp>
+      <p:sp>
+        <p:nvSpPr>
+          <p:cNvPr id="4" name="מלבן 3">
+            <a:extLst>
+              <a:ext uri="{FF2B5EF4-FFF2-40B4-BE49-F238E27FC236}">
+                <a16:creationId xmlns:a16="http://schemas.microsoft.com/office/drawing/2014/main" id="{05D9F657-C2F6-45DF-A586-1C82B30CB925}"/>
+              </a:ext>
+            </a:extLst>
+          </p:cNvPr>
+          <p:cNvSpPr/>
+          <p:nvPr/>
+        </p:nvSpPr>
+        <p:spPr>
+          <a:xfrm>
+            <a:off x="7810406" y="3228145"/>
+            <a:ext cx="1544610" cy="974578"/>
+          </a:xfrm>
+          <a:prstGeom prst="rect">
+            <a:avLst/>
+          </a:prstGeom>
+          <a:ln>
+            <a:solidFill>
+              <a:schemeClr val="tx1"/>
+            </a:solidFill>
+          </a:ln>
+        </p:spPr>
+        <p:style>
+          <a:lnRef idx="2">
+            <a:schemeClr val="accent1">
+              <a:shade val="50000"/>
+            </a:schemeClr>
+          </a:lnRef>
+          <a:fillRef idx="1">
+            <a:schemeClr val="accent1"/>
+          </a:fillRef>
+          <a:effectRef idx="0">
+            <a:schemeClr val="accent1"/>
+          </a:effectRef>
+          <a:fontRef idx="minor">
+            <a:schemeClr val="lt1"/>
+          </a:fontRef>
+        </p:style>
+        <p:txBody>
+          <a:bodyPr rtlCol="1" anchor="ctr"/>
+          <a:lstStyle/>
+          <a:p>
+            <a:pPr algn="ctr"/>
+            <a:r>
+              <a:rPr lang="en-US" dirty="0"/>
+              <a:t>Components</a:t>
+            </a:r>
+            <a:endParaRPr lang="he-IL" dirty="0"/>
+          </a:p>
+        </p:txBody>
+      </p:sp>
+      <p:cxnSp>
+        <p:nvCxnSpPr>
+          <p:cNvPr id="6" name="Straight Arrow Connector 5"/>
+          <p:cNvCxnSpPr/>
+          <p:nvPr/>
+        </p:nvCxnSpPr>
+        <p:spPr>
+          <a:xfrm>
+            <a:off x="7974623" y="2743200"/>
+            <a:ext cx="677008" cy="773723"/>
+          </a:xfrm>
+          <a:prstGeom prst="straightConnector1">
+            <a:avLst/>
+          </a:prstGeom>
+          <a:ln>
+            <a:solidFill>
+              <a:schemeClr val="tx1"/>
+            </a:solidFill>
+            <a:tailEnd type="triangle"/>
+          </a:ln>
+        </p:spPr>
+        <p:style>
+          <a:lnRef idx="1">
+            <a:schemeClr val="accent1"/>
+          </a:lnRef>
+          <a:fillRef idx="0">
+            <a:schemeClr val="accent1"/>
+          </a:fillRef>
+          <a:effectRef idx="0">
+            <a:schemeClr val="accent1"/>
+          </a:effectRef>
+          <a:fontRef idx="minor">
+            <a:schemeClr val="tx1"/>
+          </a:fontRef>
+        </p:style>
+      </p:cxnSp>
+      <p:sp>
+        <p:nvSpPr>
+          <p:cNvPr id="9" name="TextBox 8"/>
+          <p:cNvSpPr txBox="1"/>
+          <p:nvPr/>
+        </p:nvSpPr>
+        <p:spPr>
+          <a:xfrm>
+            <a:off x="7567199" y="2398955"/>
+            <a:ext cx="1041889" cy="307777"/>
+          </a:xfrm>
+          <a:prstGeom prst="rect">
+            <a:avLst/>
+          </a:prstGeom>
+          <a:noFill/>
+        </p:spPr>
+        <p:txBody>
+          <a:bodyPr wrap="square" rtlCol="0">
+            <a:spAutoFit/>
+          </a:bodyPr>
+          <a:lstStyle/>
+          <a:p>
+            <a:r>
+              <a:rPr lang="en-US" sz="1400" dirty="0"/>
+              <a:t>Props</a:t>
+            </a:r>
+          </a:p>
+        </p:txBody>
+      </p:sp>
+      <p:sp>
+        <p:nvSpPr>
+          <p:cNvPr id="16" name="Rectangle 15"/>
+          <p:cNvSpPr/>
+          <p:nvPr/>
+        </p:nvSpPr>
+        <p:spPr>
+          <a:xfrm>
+            <a:off x="2677509" y="2337400"/>
+            <a:ext cx="3862724" cy="369332"/>
+          </a:xfrm>
+          <a:prstGeom prst="rect">
+            <a:avLst/>
+          </a:prstGeom>
+        </p:spPr>
+        <p:txBody>
+          <a:bodyPr wrap="none">
+            <a:spAutoFit/>
+          </a:bodyPr>
+          <a:lstStyle/>
+          <a:p>
+            <a:r>
+              <a:rPr lang="en-US" dirty="0"/>
+              <a:t>&lt;Components title=‘something’ /&gt;</a:t>
+            </a:r>
+          </a:p>
+        </p:txBody>
+      </p:sp>
+      <p:sp>
+        <p:nvSpPr>
+          <p:cNvPr id="30" name="Rectangle 29"/>
+          <p:cNvSpPr/>
+          <p:nvPr/>
+        </p:nvSpPr>
+        <p:spPr>
+          <a:xfrm>
+            <a:off x="3205698" y="3846755"/>
+            <a:ext cx="2806346" cy="369332"/>
+          </a:xfrm>
+          <a:prstGeom prst="rect">
+            <a:avLst/>
+          </a:prstGeom>
+        </p:spPr>
+        <p:txBody>
+          <a:bodyPr wrap="none">
+            <a:spAutoFit/>
+          </a:bodyPr>
+          <a:lstStyle/>
+          <a:p>
+            <a:r>
+              <a:rPr lang="en-US" dirty="0"/>
+              <a:t>&lt;div&gt;{</a:t>
+            </a:r>
+            <a:r>
+              <a:rPr lang="en-US" dirty="0" err="1"/>
+              <a:t>props.title</a:t>
+            </a:r>
+            <a:r>
+              <a:rPr lang="en-US" dirty="0"/>
+              <a:t>}&lt;/div&gt;</a:t>
+            </a:r>
+          </a:p>
+        </p:txBody>
+      </p:sp>
+      <p:cxnSp>
+        <p:nvCxnSpPr>
+          <p:cNvPr id="23" name="Straight Connector 22"/>
+          <p:cNvCxnSpPr>
+            <a:stCxn id="4" idx="1"/>
+            <a:endCxn id="30" idx="3"/>
+          </p:cNvCxnSpPr>
+          <p:nvPr/>
+        </p:nvCxnSpPr>
+        <p:spPr>
+          <a:xfrm flipH="1">
+            <a:off x="6012044" y="3715434"/>
+            <a:ext cx="1798362" cy="315987"/>
+          </a:xfrm>
+          <a:prstGeom prst="line">
+            <a:avLst/>
+          </a:prstGeom>
+          <a:ln>
+            <a:solidFill>
+              <a:schemeClr val="tx1"/>
+            </a:solidFill>
+            <a:prstDash val="dash"/>
+          </a:ln>
+        </p:spPr>
+        <p:style>
+          <a:lnRef idx="1">
+            <a:schemeClr val="accent1"/>
+          </a:lnRef>
+          <a:fillRef idx="0">
+            <a:schemeClr val="accent1"/>
+          </a:fillRef>
+          <a:effectRef idx="0">
+            <a:schemeClr val="accent1"/>
+          </a:effectRef>
+          <a:fontRef idx="minor">
+            <a:schemeClr val="tx1"/>
+          </a:fontRef>
+        </p:style>
+      </p:cxnSp>
+      <p:cxnSp>
+        <p:nvCxnSpPr>
+          <p:cNvPr id="31" name="Straight Connector 30"/>
+          <p:cNvCxnSpPr>
+            <a:endCxn id="16" idx="3"/>
+          </p:cNvCxnSpPr>
+          <p:nvPr/>
+        </p:nvCxnSpPr>
+        <p:spPr>
+          <a:xfrm flipH="1" flipV="1">
+            <a:off x="6540233" y="2522066"/>
+            <a:ext cx="1524087" cy="546500"/>
+          </a:xfrm>
+          <a:prstGeom prst="line">
+            <a:avLst/>
+          </a:prstGeom>
+          <a:ln>
+            <a:solidFill>
+              <a:schemeClr val="tx1"/>
+            </a:solidFill>
+            <a:prstDash val="dash"/>
+          </a:ln>
+        </p:spPr>
+        <p:style>
+          <a:lnRef idx="1">
+            <a:schemeClr val="accent1"/>
+          </a:lnRef>
+          <a:fillRef idx="0">
+            <a:schemeClr val="accent1"/>
+          </a:fillRef>
+          <a:effectRef idx="0">
+            <a:schemeClr val="accent1"/>
+          </a:effectRef>
+          <a:fontRef idx="minor">
+            <a:schemeClr val="tx1"/>
+          </a:fontRef>
+        </p:style>
+      </p:cxnSp>
+    </p:spTree>
+    <p:extLst>
+      <p:ext uri="{BB962C8B-B14F-4D97-AF65-F5344CB8AC3E}">
+        <p14:creationId xmlns:p14="http://schemas.microsoft.com/office/powerpoint/2010/main" val="1431238210"/>
+      </p:ext>
+    </p:extLst>
+  </p:cSld>
+  <p:clrMapOvr>
+    <a:masterClrMapping/>
+  </p:clrMapOvr>
+</p:sld>
+</file>
+
+<file path=ppt/slides/slide26.xml><?xml version="1.0" encoding="utf-8"?>
+<p:sld xmlns:a="http://schemas.openxmlformats.org/drawingml/2006/main" xmlns:r="http://schemas.openxmlformats.org/officeDocument/2006/relationships" xmlns:p="http://schemas.openxmlformats.org/presentationml/2006/main" show="0">
+  <p:cSld>
+    <p:bg>
+      <p:bgPr>
+        <a:blipFill rotWithShape="1">
+          <a:blip r:embed="rId2">
+            <a:duotone>
+              <a:schemeClr val="bg2">
+                <a:shade val="18000"/>
+                <a:satMod val="160000"/>
+                <a:lumMod val="28000"/>
+              </a:schemeClr>
+              <a:schemeClr val="bg2">
+                <a:tint val="95000"/>
+                <a:satMod val="160000"/>
+                <a:lumMod val="116000"/>
+              </a:schemeClr>
+            </a:duotone>
+          </a:blip>
+          <a:stretch/>
+        </a:blipFill>
+        <a:effectLst/>
+      </p:bgPr>
+    </p:bg>
+    <p:spTree>
+      <p:nvGrpSpPr>
+        <p:cNvPr id="1" name=""/>
+        <p:cNvGrpSpPr/>
+        <p:nvPr/>
+      </p:nvGrpSpPr>
+      <p:grpSpPr>
+        <a:xfrm>
+          <a:off x="0" y="0"/>
+          <a:ext cx="0" cy="0"/>
+          <a:chOff x="0" y="0"/>
+          <a:chExt cx="0" cy="0"/>
+        </a:xfrm>
+      </p:grpSpPr>
+      <p:sp useBgFill="1">
+        <p:nvSpPr>
+          <p:cNvPr id="8" name="Rectangle 7">
+            <a:extLst>
+              <a:ext uri="{FF2B5EF4-FFF2-40B4-BE49-F238E27FC236}">
+                <a16:creationId xmlns:a16="http://schemas.microsoft.com/office/drawing/2014/main" id="{3BFBA67F-0D4D-4C2E-A1D7-82D080A4B3AD}"/>
+              </a:ext>
+              <a:ext uri="{C183D7F6-B498-43B3-948B-1728B52AA6E4}">
+                <adec:decorative xmlns:adec="http://schemas.microsoft.com/office/drawing/2017/decorative" val="1"/>
+              </a:ext>
+            </a:extLst>
+          </p:cNvPr>
+          <p:cNvSpPr>
+            <a:spLocks noGrp="1" noRot="1" noChangeAspect="1" noMove="1" noResize="1" noEditPoints="1" noAdjustHandles="1" noChangeArrowheads="1" noChangeShapeType="1" noTextEdit="1"/>
+          </p:cNvSpPr>
+          <p:nvPr>
+            <p:extLst>
+              <p:ext uri="{386F3935-93C4-4BCD-93E2-E3B085C9AB24}">
+                <p16:designElem xmlns:p16="http://schemas.microsoft.com/office/powerpoint/2015/main" val="1"/>
+              </p:ext>
+            </p:extLst>
+          </p:nvPr>
+        </p:nvSpPr>
+        <p:spPr>
+          <a:xfrm>
+            <a:off x="0" y="0"/>
+            <a:ext cx="12192000" cy="6858000"/>
+          </a:xfrm>
+          <a:prstGeom prst="rect">
+            <a:avLst/>
+          </a:prstGeom>
+          <a:ln>
+            <a:noFill/>
+          </a:ln>
+        </p:spPr>
+        <p:style>
+          <a:lnRef idx="2">
+            <a:schemeClr val="accent1">
+              <a:shade val="50000"/>
+            </a:schemeClr>
+          </a:lnRef>
+          <a:fillRef idx="1">
+            <a:schemeClr val="accent1"/>
+          </a:fillRef>
+          <a:effectRef idx="0">
+            <a:schemeClr val="accent1"/>
+          </a:effectRef>
+          <a:fontRef idx="minor">
+            <a:schemeClr val="lt1"/>
+          </a:fontRef>
+        </p:style>
+        <p:txBody>
+          <a:bodyPr rtlCol="0" anchor="ctr"/>
+          <a:lstStyle/>
+          <a:p>
+            <a:pPr algn="ctr"/>
+            <a:endParaRPr lang="en-US"/>
+          </a:p>
+        </p:txBody>
+      </p:sp>
+      <p:sp>
+        <p:nvSpPr>
+          <p:cNvPr id="2" name="כותרת 1">
+            <a:extLst>
+              <a:ext uri="{FF2B5EF4-FFF2-40B4-BE49-F238E27FC236}">
+                <a16:creationId xmlns:a16="http://schemas.microsoft.com/office/drawing/2014/main" id="{D8B5AC4C-BAFA-4D9D-9FE4-D33C3994D036}"/>
+              </a:ext>
+            </a:extLst>
+          </p:cNvPr>
+          <p:cNvSpPr>
+            <a:spLocks noGrp="1"/>
+          </p:cNvSpPr>
+          <p:nvPr>
+            <p:ph type="title"/>
+          </p:nvPr>
+        </p:nvSpPr>
+        <p:spPr>
+          <a:xfrm>
+            <a:off x="913795" y="609600"/>
+            <a:ext cx="10353761" cy="1326321"/>
+          </a:xfrm>
+        </p:spPr>
+        <p:txBody>
+          <a:bodyPr>
+            <a:normAutofit/>
+          </a:bodyPr>
+          <a:lstStyle/>
+          <a:p>
+            <a:r>
+              <a:rPr lang="en-US" dirty="0"/>
               <a:t>Changing component state</a:t>
             </a:r>
             <a:endParaRPr lang="he-IL" dirty="0"/>
@@ -17816,7 +18405,7 @@
 </p:sld>
 </file>
 
-<file path=ppt/slides/slide26.xml><?xml version="1.0" encoding="utf-8"?>
+<file path=ppt/slides/slide27.xml><?xml version="1.0" encoding="utf-8"?>
 <p:sld xmlns:a="http://schemas.openxmlformats.org/drawingml/2006/main" xmlns:r="http://schemas.openxmlformats.org/officeDocument/2006/relationships" xmlns:p="http://schemas.openxmlformats.org/presentationml/2006/main" show="0">
   <p:cSld>
     <p:bg>
@@ -18877,232 +19466,6 @@
 </p:sld>
 </file>
 
-<file path=ppt/slides/slide27.xml><?xml version="1.0" encoding="utf-8"?>
-<p:sld xmlns:a="http://schemas.openxmlformats.org/drawingml/2006/main" xmlns:r="http://schemas.openxmlformats.org/officeDocument/2006/relationships" xmlns:p="http://schemas.openxmlformats.org/presentationml/2006/main" show="0">
-  <p:cSld>
-    <p:spTree>
-      <p:nvGrpSpPr>
-        <p:cNvPr id="1" name=""/>
-        <p:cNvGrpSpPr/>
-        <p:nvPr/>
-      </p:nvGrpSpPr>
-      <p:grpSpPr>
-        <a:xfrm>
-          <a:off x="0" y="0"/>
-          <a:ext cx="0" cy="0"/>
-          <a:chOff x="0" y="0"/>
-          <a:chExt cx="0" cy="0"/>
-        </a:xfrm>
-      </p:grpSpPr>
-      <p:sp>
-        <p:nvSpPr>
-          <p:cNvPr id="2" name="כותרת 1">
-            <a:extLst>
-              <a:ext uri="{FF2B5EF4-FFF2-40B4-BE49-F238E27FC236}">
-                <a16:creationId xmlns:a16="http://schemas.microsoft.com/office/drawing/2014/main" id="{A4C6782C-992C-4CC4-ACC3-A321A228C4B1}"/>
-              </a:ext>
-            </a:extLst>
-          </p:cNvPr>
-          <p:cNvSpPr>
-            <a:spLocks noGrp="1"/>
-          </p:cNvSpPr>
-          <p:nvPr>
-            <p:ph type="title"/>
-          </p:nvPr>
-        </p:nvSpPr>
-        <p:spPr/>
-        <p:txBody>
-          <a:bodyPr/>
-          <a:lstStyle/>
-          <a:p>
-            <a:r>
-              <a:rPr lang="en-US" dirty="0"/>
-              <a:t>React: elements and JSX</a:t>
-            </a:r>
-            <a:endParaRPr lang="he-IL" dirty="0"/>
-          </a:p>
-        </p:txBody>
-      </p:sp>
-      <p:pic>
-        <p:nvPicPr>
-          <p:cNvPr id="4" name="תמונה 3">
-            <a:extLst>
-              <a:ext uri="{FF2B5EF4-FFF2-40B4-BE49-F238E27FC236}">
-                <a16:creationId xmlns:a16="http://schemas.microsoft.com/office/drawing/2014/main" id="{473B4579-4DDE-49CF-BB98-C15F1AD8C657}"/>
-              </a:ext>
-            </a:extLst>
-          </p:cNvPr>
-          <p:cNvPicPr>
-            <a:picLocks noChangeAspect="1"/>
-          </p:cNvPicPr>
-          <p:nvPr/>
-        </p:nvPicPr>
-        <p:blipFill>
-          <a:blip r:embed="rId2"/>
-          <a:stretch>
-            <a:fillRect/>
-          </a:stretch>
-        </p:blipFill>
-        <p:spPr>
-          <a:xfrm>
-            <a:off x="913795" y="3429000"/>
-            <a:ext cx="5143500" cy="2276475"/>
-          </a:xfrm>
-          <a:prstGeom prst="rect">
-            <a:avLst/>
-          </a:prstGeom>
-        </p:spPr>
-      </p:pic>
-      <p:sp>
-        <p:nvSpPr>
-          <p:cNvPr id="5" name="TextBox 4">
-            <a:extLst>
-              <a:ext uri="{FF2B5EF4-FFF2-40B4-BE49-F238E27FC236}">
-                <a16:creationId xmlns:a16="http://schemas.microsoft.com/office/drawing/2014/main" id="{5A2DD1BB-6B69-4F0A-9328-F9AC929D5284}"/>
-              </a:ext>
-            </a:extLst>
-          </p:cNvPr>
-          <p:cNvSpPr txBox="1"/>
-          <p:nvPr/>
-        </p:nvSpPr>
-        <p:spPr>
-          <a:xfrm>
-            <a:off x="1185863" y="2414588"/>
-            <a:ext cx="2986087" cy="369332"/>
-          </a:xfrm>
-          <a:prstGeom prst="rect">
-            <a:avLst/>
-          </a:prstGeom>
-          <a:noFill/>
-        </p:spPr>
-        <p:txBody>
-          <a:bodyPr wrap="square" rtlCol="1">
-            <a:spAutoFit/>
-          </a:bodyPr>
-          <a:lstStyle/>
-          <a:p>
-            <a:r>
-              <a:rPr lang="en-US" dirty="0"/>
-              <a:t>From react tutorial:</a:t>
-            </a:r>
-            <a:endParaRPr lang="he-IL" dirty="0"/>
-          </a:p>
-        </p:txBody>
-      </p:sp>
-      <p:sp>
-        <p:nvSpPr>
-          <p:cNvPr id="6" name="TextBox 5">
-            <a:extLst>
-              <a:ext uri="{FF2B5EF4-FFF2-40B4-BE49-F238E27FC236}">
-                <a16:creationId xmlns:a16="http://schemas.microsoft.com/office/drawing/2014/main" id="{6FADEE8A-0255-4729-A77E-CD05E7083376}"/>
-              </a:ext>
-            </a:extLst>
-          </p:cNvPr>
-          <p:cNvSpPr txBox="1"/>
-          <p:nvPr/>
-        </p:nvSpPr>
-        <p:spPr>
-          <a:xfrm>
-            <a:off x="1571625" y="3000375"/>
-            <a:ext cx="2986087" cy="369332"/>
-          </a:xfrm>
-          <a:prstGeom prst="rect">
-            <a:avLst/>
-          </a:prstGeom>
-          <a:noFill/>
-        </p:spPr>
-        <p:txBody>
-          <a:bodyPr wrap="square" rtlCol="1">
-            <a:spAutoFit/>
-          </a:bodyPr>
-          <a:lstStyle/>
-          <a:p>
-            <a:r>
-              <a:rPr lang="en-US" dirty="0"/>
-              <a:t>Element</a:t>
-            </a:r>
-            <a:endParaRPr lang="he-IL" dirty="0"/>
-          </a:p>
-        </p:txBody>
-      </p:sp>
-      <p:pic>
-        <p:nvPicPr>
-          <p:cNvPr id="7" name="תמונה 6">
-            <a:extLst>
-              <a:ext uri="{FF2B5EF4-FFF2-40B4-BE49-F238E27FC236}">
-                <a16:creationId xmlns:a16="http://schemas.microsoft.com/office/drawing/2014/main" id="{D722E5D4-8F95-4490-8BD0-541E98CEF28C}"/>
-              </a:ext>
-            </a:extLst>
-          </p:cNvPr>
-          <p:cNvPicPr>
-            <a:picLocks noChangeAspect="1"/>
-          </p:cNvPicPr>
-          <p:nvPr/>
-        </p:nvPicPr>
-        <p:blipFill rotWithShape="1">
-          <a:blip r:embed="rId3"/>
-          <a:srcRect r="50522"/>
-          <a:stretch/>
-        </p:blipFill>
-        <p:spPr>
-          <a:xfrm>
-            <a:off x="6577012" y="3369707"/>
-            <a:ext cx="5119699" cy="2088118"/>
-          </a:xfrm>
-          <a:prstGeom prst="rect">
-            <a:avLst/>
-          </a:prstGeom>
-        </p:spPr>
-      </p:pic>
-      <p:sp>
-        <p:nvSpPr>
-          <p:cNvPr id="8" name="TextBox 7">
-            <a:extLst>
-              <a:ext uri="{FF2B5EF4-FFF2-40B4-BE49-F238E27FC236}">
-                <a16:creationId xmlns:a16="http://schemas.microsoft.com/office/drawing/2014/main" id="{D2A21DA5-E314-4C2C-946D-7E51B429C1B0}"/>
-              </a:ext>
-            </a:extLst>
-          </p:cNvPr>
-          <p:cNvSpPr txBox="1"/>
-          <p:nvPr/>
-        </p:nvSpPr>
-        <p:spPr>
-          <a:xfrm>
-            <a:off x="6838950" y="3000375"/>
-            <a:ext cx="2986087" cy="369332"/>
-          </a:xfrm>
-          <a:prstGeom prst="rect">
-            <a:avLst/>
-          </a:prstGeom>
-          <a:noFill/>
-        </p:spPr>
-        <p:txBody>
-          <a:bodyPr wrap="square" rtlCol="1">
-            <a:spAutoFit/>
-          </a:bodyPr>
-          <a:lstStyle/>
-          <a:p>
-            <a:r>
-              <a:rPr lang="en-US" dirty="0"/>
-              <a:t>JSX</a:t>
-            </a:r>
-            <a:endParaRPr lang="he-IL" dirty="0"/>
-          </a:p>
-        </p:txBody>
-      </p:sp>
-    </p:spTree>
-    <p:extLst>
-      <p:ext uri="{BB962C8B-B14F-4D97-AF65-F5344CB8AC3E}">
-        <p14:creationId xmlns:p14="http://schemas.microsoft.com/office/powerpoint/2010/main" val="3052793855"/>
-      </p:ext>
-    </p:extLst>
-  </p:cSld>
-  <p:clrMapOvr>
-    <a:masterClrMapping/>
-  </p:clrMapOvr>
-</p:sld>
-</file>
-
 <file path=ppt/slides/slide28.xml><?xml version="1.0" encoding="utf-8"?>
 <p:sld xmlns:a="http://schemas.openxmlformats.org/drawingml/2006/main" xmlns:r="http://schemas.openxmlformats.org/officeDocument/2006/relationships" xmlns:p="http://schemas.openxmlformats.org/presentationml/2006/main" show="0">
   <p:cSld>
@@ -19125,7 +19488,7 @@
           <p:cNvPr id="2" name="כותרת 1">
             <a:extLst>
               <a:ext uri="{FF2B5EF4-FFF2-40B4-BE49-F238E27FC236}">
-                <a16:creationId xmlns:a16="http://schemas.microsoft.com/office/drawing/2014/main" id="{CE700D5F-102A-47C5-8A48-F099A0E10364}"/>
+                <a16:creationId xmlns:a16="http://schemas.microsoft.com/office/drawing/2014/main" id="{A4C6782C-992C-4CC4-ACC3-A321A228C4B1}"/>
               </a:ext>
             </a:extLst>
           </p:cNvPr>
@@ -19143,7 +19506,7 @@
           <a:p>
             <a:r>
               <a:rPr lang="en-US" dirty="0"/>
-              <a:t>React: components</a:t>
+              <a:t>React: elements and JSX</a:t>
             </a:r>
             <a:endParaRPr lang="he-IL" dirty="0"/>
           </a:p>
@@ -19154,7 +19517,7 @@
           <p:cNvPr id="4" name="תמונה 3">
             <a:extLst>
               <a:ext uri="{FF2B5EF4-FFF2-40B4-BE49-F238E27FC236}">
-                <a16:creationId xmlns:a16="http://schemas.microsoft.com/office/drawing/2014/main" id="{F176F079-14E8-407F-8E69-05B45D234DBD}"/>
+                <a16:creationId xmlns:a16="http://schemas.microsoft.com/office/drawing/2014/main" id="{473B4579-4DDE-49CF-BB98-C15F1AD8C657}"/>
               </a:ext>
             </a:extLst>
           </p:cNvPr>
@@ -19171,8 +19534,8 @@
         </p:blipFill>
         <p:spPr>
           <a:xfrm>
-            <a:off x="1266824" y="3857625"/>
-            <a:ext cx="3228975" cy="657225"/>
+            <a:off x="913795" y="3429000"/>
+            <a:ext cx="5143500" cy="2276475"/>
           </a:xfrm>
           <a:prstGeom prst="rect">
             <a:avLst/>
@@ -19184,7 +19547,7 @@
           <p:cNvPr id="5" name="TextBox 4">
             <a:extLst>
               <a:ext uri="{FF2B5EF4-FFF2-40B4-BE49-F238E27FC236}">
-                <a16:creationId xmlns:a16="http://schemas.microsoft.com/office/drawing/2014/main" id="{03BCE76D-F44C-433C-8C1D-CD38CB8F1E0F}"/>
+                <a16:creationId xmlns:a16="http://schemas.microsoft.com/office/drawing/2014/main" id="{5A2DD1BB-6B69-4F0A-9328-F9AC929D5284}"/>
               </a:ext>
             </a:extLst>
           </p:cNvPr>
@@ -19193,8 +19556,8 @@
         </p:nvSpPr>
         <p:spPr>
           <a:xfrm>
-            <a:off x="1400175" y="3429000"/>
-            <a:ext cx="1243013" cy="369332"/>
+            <a:off x="1185863" y="2414588"/>
+            <a:ext cx="2986087" cy="369332"/>
           </a:xfrm>
           <a:prstGeom prst="rect">
             <a:avLst/>
@@ -19209,7 +19572,108 @@
           <a:p>
             <a:r>
               <a:rPr lang="en-US" dirty="0"/>
-              <a:t>Function</a:t>
+              <a:t>From react tutorial:</a:t>
+            </a:r>
+            <a:endParaRPr lang="he-IL" dirty="0"/>
+          </a:p>
+        </p:txBody>
+      </p:sp>
+      <p:sp>
+        <p:nvSpPr>
+          <p:cNvPr id="6" name="TextBox 5">
+            <a:extLst>
+              <a:ext uri="{FF2B5EF4-FFF2-40B4-BE49-F238E27FC236}">
+                <a16:creationId xmlns:a16="http://schemas.microsoft.com/office/drawing/2014/main" id="{6FADEE8A-0255-4729-A77E-CD05E7083376}"/>
+              </a:ext>
+            </a:extLst>
+          </p:cNvPr>
+          <p:cNvSpPr txBox="1"/>
+          <p:nvPr/>
+        </p:nvSpPr>
+        <p:spPr>
+          <a:xfrm>
+            <a:off x="1571625" y="3000375"/>
+            <a:ext cx="2986087" cy="369332"/>
+          </a:xfrm>
+          <a:prstGeom prst="rect">
+            <a:avLst/>
+          </a:prstGeom>
+          <a:noFill/>
+        </p:spPr>
+        <p:txBody>
+          <a:bodyPr wrap="square" rtlCol="1">
+            <a:spAutoFit/>
+          </a:bodyPr>
+          <a:lstStyle/>
+          <a:p>
+            <a:r>
+              <a:rPr lang="en-US" dirty="0"/>
+              <a:t>Element</a:t>
+            </a:r>
+            <a:endParaRPr lang="he-IL" dirty="0"/>
+          </a:p>
+        </p:txBody>
+      </p:sp>
+      <p:pic>
+        <p:nvPicPr>
+          <p:cNvPr id="7" name="תמונה 6">
+            <a:extLst>
+              <a:ext uri="{FF2B5EF4-FFF2-40B4-BE49-F238E27FC236}">
+                <a16:creationId xmlns:a16="http://schemas.microsoft.com/office/drawing/2014/main" id="{D722E5D4-8F95-4490-8BD0-541E98CEF28C}"/>
+              </a:ext>
+            </a:extLst>
+          </p:cNvPr>
+          <p:cNvPicPr>
+            <a:picLocks noChangeAspect="1"/>
+          </p:cNvPicPr>
+          <p:nvPr/>
+        </p:nvPicPr>
+        <p:blipFill rotWithShape="1">
+          <a:blip r:embed="rId3"/>
+          <a:srcRect r="50522"/>
+          <a:stretch/>
+        </p:blipFill>
+        <p:spPr>
+          <a:xfrm>
+            <a:off x="6577012" y="3369707"/>
+            <a:ext cx="5119699" cy="2088118"/>
+          </a:xfrm>
+          <a:prstGeom prst="rect">
+            <a:avLst/>
+          </a:prstGeom>
+        </p:spPr>
+      </p:pic>
+      <p:sp>
+        <p:nvSpPr>
+          <p:cNvPr id="8" name="TextBox 7">
+            <a:extLst>
+              <a:ext uri="{FF2B5EF4-FFF2-40B4-BE49-F238E27FC236}">
+                <a16:creationId xmlns:a16="http://schemas.microsoft.com/office/drawing/2014/main" id="{D2A21DA5-E314-4C2C-946D-7E51B429C1B0}"/>
+              </a:ext>
+            </a:extLst>
+          </p:cNvPr>
+          <p:cNvSpPr txBox="1"/>
+          <p:nvPr/>
+        </p:nvSpPr>
+        <p:spPr>
+          <a:xfrm>
+            <a:off x="6838950" y="3000375"/>
+            <a:ext cx="2986087" cy="369332"/>
+          </a:xfrm>
+          <a:prstGeom prst="rect">
+            <a:avLst/>
+          </a:prstGeom>
+          <a:noFill/>
+        </p:spPr>
+        <p:txBody>
+          <a:bodyPr wrap="square" rtlCol="1">
+            <a:spAutoFit/>
+          </a:bodyPr>
+          <a:lstStyle/>
+          <a:p>
+            <a:r>
+              <a:rPr lang="en-US" dirty="0"/>
+              <a:t>JSX</a:t>
             </a:r>
             <a:endParaRPr lang="he-IL" dirty="0"/>
           </a:p>
@@ -19218,7 +19682,7 @@
     </p:spTree>
     <p:extLst>
       <p:ext uri="{BB962C8B-B14F-4D97-AF65-F5344CB8AC3E}">
-        <p14:creationId xmlns:p14="http://schemas.microsoft.com/office/powerpoint/2010/main" val="2307759413"/>
+        <p14:creationId xmlns:p14="http://schemas.microsoft.com/office/powerpoint/2010/main" val="3052793855"/>
       </p:ext>
     </p:extLst>
   </p:cSld>
@@ -19247,10 +19711,10 @@
       </p:grpSpPr>
       <p:sp>
         <p:nvSpPr>
-          <p:cNvPr id="2" name="Title 1">
-            <a:extLst>
-              <a:ext uri="{FF2B5EF4-FFF2-40B4-BE49-F238E27FC236}">
-                <a16:creationId xmlns:a16="http://schemas.microsoft.com/office/drawing/2014/main" id="{31641A86-D198-467A-A195-744E2648486C}"/>
+          <p:cNvPr id="2" name="כותרת 1">
+            <a:extLst>
+              <a:ext uri="{FF2B5EF4-FFF2-40B4-BE49-F238E27FC236}">
+                <a16:creationId xmlns:a16="http://schemas.microsoft.com/office/drawing/2014/main" id="{CE700D5F-102A-47C5-8A48-F099A0E10364}"/>
               </a:ext>
             </a:extLst>
           </p:cNvPr>
@@ -19268,18 +19732,18 @@
           <a:p>
             <a:r>
               <a:rPr lang="en-US" dirty="0"/>
-              <a:t>Install</a:t>
+              <a:t>React: components</a:t>
             </a:r>
-            <a:endParaRPr lang="en-IL" dirty="0"/>
+            <a:endParaRPr lang="he-IL" dirty="0"/>
           </a:p>
         </p:txBody>
       </p:sp>
       <p:pic>
         <p:nvPicPr>
-          <p:cNvPr id="5" name="Picture 4">
-            <a:extLst>
-              <a:ext uri="{FF2B5EF4-FFF2-40B4-BE49-F238E27FC236}">
-                <a16:creationId xmlns:a16="http://schemas.microsoft.com/office/drawing/2014/main" id="{3C4448DA-90D3-4FC6-BDA6-6C011CF6CB35}"/>
+          <p:cNvPr id="4" name="תמונה 3">
+            <a:extLst>
+              <a:ext uri="{FF2B5EF4-FFF2-40B4-BE49-F238E27FC236}">
+                <a16:creationId xmlns:a16="http://schemas.microsoft.com/office/drawing/2014/main" id="{F176F079-14E8-407F-8E69-05B45D234DBD}"/>
               </a:ext>
             </a:extLst>
           </p:cNvPr>
@@ -19296,50 +19760,20 @@
         </p:blipFill>
         <p:spPr>
           <a:xfrm>
-            <a:off x="0" y="3098307"/>
-            <a:ext cx="12192001" cy="506930"/>
+            <a:off x="1266824" y="3857625"/>
+            <a:ext cx="3228975" cy="657225"/>
           </a:xfrm>
           <a:prstGeom prst="rect">
             <a:avLst/>
           </a:prstGeom>
         </p:spPr>
       </p:pic>
-      <p:pic>
-        <p:nvPicPr>
-          <p:cNvPr id="7" name="Picture 6">
-            <a:extLst>
-              <a:ext uri="{FF2B5EF4-FFF2-40B4-BE49-F238E27FC236}">
-                <a16:creationId xmlns:a16="http://schemas.microsoft.com/office/drawing/2014/main" id="{1D8CC02E-687F-4D47-A09E-E203DB1F24E3}"/>
-              </a:ext>
-            </a:extLst>
-          </p:cNvPr>
-          <p:cNvPicPr>
-            <a:picLocks noChangeAspect="1"/>
-          </p:cNvPicPr>
-          <p:nvPr/>
-        </p:nvPicPr>
-        <p:blipFill>
-          <a:blip r:embed="rId3"/>
-          <a:stretch>
-            <a:fillRect/>
-          </a:stretch>
-        </p:blipFill>
-        <p:spPr>
-          <a:xfrm>
-            <a:off x="4322099" y="4767623"/>
-            <a:ext cx="3858013" cy="1240616"/>
-          </a:xfrm>
-          <a:prstGeom prst="rect">
-            <a:avLst/>
-          </a:prstGeom>
-        </p:spPr>
-      </p:pic>
-      <p:sp>
-        <p:nvSpPr>
-          <p:cNvPr id="8" name="TextBox 7">
-            <a:extLst>
-              <a:ext uri="{FF2B5EF4-FFF2-40B4-BE49-F238E27FC236}">
-                <a16:creationId xmlns:a16="http://schemas.microsoft.com/office/drawing/2014/main" id="{229AFBC3-3DED-41AC-8465-8FCC60A3028B}"/>
+      <p:sp>
+        <p:nvSpPr>
+          <p:cNvPr id="5" name="TextBox 4">
+            <a:extLst>
+              <a:ext uri="{FF2B5EF4-FFF2-40B4-BE49-F238E27FC236}">
+                <a16:creationId xmlns:a16="http://schemas.microsoft.com/office/drawing/2014/main" id="{03BCE76D-F44C-433C-8C1D-CD38CB8F1E0F}"/>
               </a:ext>
             </a:extLst>
           </p:cNvPr>
@@ -19348,8 +19782,8 @@
         </p:nvSpPr>
         <p:spPr>
           <a:xfrm>
-            <a:off x="2930856" y="4001764"/>
-            <a:ext cx="6640498" cy="369332"/>
+            <a:off x="1400175" y="3429000"/>
+            <a:ext cx="1243013" cy="369332"/>
           </a:xfrm>
           <a:prstGeom prst="rect">
             <a:avLst/>
@@ -19357,24 +19791,23 @@
           <a:noFill/>
         </p:spPr>
         <p:txBody>
-          <a:bodyPr wrap="square" rtlCol="0">
+          <a:bodyPr wrap="square" rtlCol="1">
             <a:spAutoFit/>
           </a:bodyPr>
           <a:lstStyle/>
           <a:p>
-            <a:pPr algn="ctr"/>
             <a:r>
               <a:rPr lang="en-US" dirty="0"/>
-              <a:t>After installation change directory, and start the app:</a:t>
+              <a:t>Function</a:t>
             </a:r>
-            <a:endParaRPr lang="en-IL" dirty="0"/>
+            <a:endParaRPr lang="he-IL" dirty="0"/>
           </a:p>
         </p:txBody>
       </p:sp>
     </p:spTree>
     <p:extLst>
       <p:ext uri="{BB962C8B-B14F-4D97-AF65-F5344CB8AC3E}">
-        <p14:creationId xmlns:p14="http://schemas.microsoft.com/office/powerpoint/2010/main" val="2964986386"/>
+        <p14:creationId xmlns:p14="http://schemas.microsoft.com/office/powerpoint/2010/main" val="2307759413"/>
       </p:ext>
     </p:extLst>
   </p:cSld>
@@ -19769,6 +20202,162 @@
 </file>
 
 <file path=ppt/slides/slide30.xml><?xml version="1.0" encoding="utf-8"?>
+<p:sld xmlns:a="http://schemas.openxmlformats.org/drawingml/2006/main" xmlns:r="http://schemas.openxmlformats.org/officeDocument/2006/relationships" xmlns:p="http://schemas.openxmlformats.org/presentationml/2006/main" show="0">
+  <p:cSld>
+    <p:spTree>
+      <p:nvGrpSpPr>
+        <p:cNvPr id="1" name=""/>
+        <p:cNvGrpSpPr/>
+        <p:nvPr/>
+      </p:nvGrpSpPr>
+      <p:grpSpPr>
+        <a:xfrm>
+          <a:off x="0" y="0"/>
+          <a:ext cx="0" cy="0"/>
+          <a:chOff x="0" y="0"/>
+          <a:chExt cx="0" cy="0"/>
+        </a:xfrm>
+      </p:grpSpPr>
+      <p:sp>
+        <p:nvSpPr>
+          <p:cNvPr id="2" name="Title 1">
+            <a:extLst>
+              <a:ext uri="{FF2B5EF4-FFF2-40B4-BE49-F238E27FC236}">
+                <a16:creationId xmlns:a16="http://schemas.microsoft.com/office/drawing/2014/main" id="{31641A86-D198-467A-A195-744E2648486C}"/>
+              </a:ext>
+            </a:extLst>
+          </p:cNvPr>
+          <p:cNvSpPr>
+            <a:spLocks noGrp="1"/>
+          </p:cNvSpPr>
+          <p:nvPr>
+            <p:ph type="title"/>
+          </p:nvPr>
+        </p:nvSpPr>
+        <p:spPr/>
+        <p:txBody>
+          <a:bodyPr/>
+          <a:lstStyle/>
+          <a:p>
+            <a:r>
+              <a:rPr lang="en-US" dirty="0"/>
+              <a:t>Install</a:t>
+            </a:r>
+            <a:endParaRPr lang="en-IL" dirty="0"/>
+          </a:p>
+        </p:txBody>
+      </p:sp>
+      <p:pic>
+        <p:nvPicPr>
+          <p:cNvPr id="5" name="Picture 4">
+            <a:extLst>
+              <a:ext uri="{FF2B5EF4-FFF2-40B4-BE49-F238E27FC236}">
+                <a16:creationId xmlns:a16="http://schemas.microsoft.com/office/drawing/2014/main" id="{3C4448DA-90D3-4FC6-BDA6-6C011CF6CB35}"/>
+              </a:ext>
+            </a:extLst>
+          </p:cNvPr>
+          <p:cNvPicPr>
+            <a:picLocks noChangeAspect="1"/>
+          </p:cNvPicPr>
+          <p:nvPr/>
+        </p:nvPicPr>
+        <p:blipFill>
+          <a:blip r:embed="rId2"/>
+          <a:stretch>
+            <a:fillRect/>
+          </a:stretch>
+        </p:blipFill>
+        <p:spPr>
+          <a:xfrm>
+            <a:off x="0" y="3098307"/>
+            <a:ext cx="12192001" cy="506930"/>
+          </a:xfrm>
+          <a:prstGeom prst="rect">
+            <a:avLst/>
+          </a:prstGeom>
+        </p:spPr>
+      </p:pic>
+      <p:pic>
+        <p:nvPicPr>
+          <p:cNvPr id="7" name="Picture 6">
+            <a:extLst>
+              <a:ext uri="{FF2B5EF4-FFF2-40B4-BE49-F238E27FC236}">
+                <a16:creationId xmlns:a16="http://schemas.microsoft.com/office/drawing/2014/main" id="{1D8CC02E-687F-4D47-A09E-E203DB1F24E3}"/>
+              </a:ext>
+            </a:extLst>
+          </p:cNvPr>
+          <p:cNvPicPr>
+            <a:picLocks noChangeAspect="1"/>
+          </p:cNvPicPr>
+          <p:nvPr/>
+        </p:nvPicPr>
+        <p:blipFill>
+          <a:blip r:embed="rId3"/>
+          <a:stretch>
+            <a:fillRect/>
+          </a:stretch>
+        </p:blipFill>
+        <p:spPr>
+          <a:xfrm>
+            <a:off x="4322099" y="4767623"/>
+            <a:ext cx="3858013" cy="1240616"/>
+          </a:xfrm>
+          <a:prstGeom prst="rect">
+            <a:avLst/>
+          </a:prstGeom>
+        </p:spPr>
+      </p:pic>
+      <p:sp>
+        <p:nvSpPr>
+          <p:cNvPr id="8" name="TextBox 7">
+            <a:extLst>
+              <a:ext uri="{FF2B5EF4-FFF2-40B4-BE49-F238E27FC236}">
+                <a16:creationId xmlns:a16="http://schemas.microsoft.com/office/drawing/2014/main" id="{229AFBC3-3DED-41AC-8465-8FCC60A3028B}"/>
+              </a:ext>
+            </a:extLst>
+          </p:cNvPr>
+          <p:cNvSpPr txBox="1"/>
+          <p:nvPr/>
+        </p:nvSpPr>
+        <p:spPr>
+          <a:xfrm>
+            <a:off x="2930856" y="4001764"/>
+            <a:ext cx="6640498" cy="369332"/>
+          </a:xfrm>
+          <a:prstGeom prst="rect">
+            <a:avLst/>
+          </a:prstGeom>
+          <a:noFill/>
+        </p:spPr>
+        <p:txBody>
+          <a:bodyPr wrap="square" rtlCol="0">
+            <a:spAutoFit/>
+          </a:bodyPr>
+          <a:lstStyle/>
+          <a:p>
+            <a:pPr algn="ctr"/>
+            <a:r>
+              <a:rPr lang="en-US" dirty="0"/>
+              <a:t>After installation change directory, and start the app:</a:t>
+            </a:r>
+            <a:endParaRPr lang="en-IL" dirty="0"/>
+          </a:p>
+        </p:txBody>
+      </p:sp>
+    </p:spTree>
+    <p:extLst>
+      <p:ext uri="{BB962C8B-B14F-4D97-AF65-F5344CB8AC3E}">
+        <p14:creationId xmlns:p14="http://schemas.microsoft.com/office/powerpoint/2010/main" val="2964986386"/>
+      </p:ext>
+    </p:extLst>
+  </p:cSld>
+  <p:clrMapOvr>
+    <a:masterClrMapping/>
+  </p:clrMapOvr>
+</p:sld>
+</file>
+
+<file path=ppt/slides/slide31.xml><?xml version="1.0" encoding="utf-8"?>
 <p:sld xmlns:a="http://schemas.openxmlformats.org/drawingml/2006/main" xmlns:r="http://schemas.openxmlformats.org/officeDocument/2006/relationships" xmlns:p="http://schemas.openxmlformats.org/presentationml/2006/main" show="0">
   <p:cSld>
     <p:bg>
@@ -20149,7 +20738,7 @@
                   <a:spcPts val="600"/>
                 </a:spcAft>
               </a:pPr>
-              <a:t>2/17/22</a:t>
+              <a:t>5/9/22</a:t>
             </a:fld>
             <a:endParaRPr lang="en-US"/>
           </a:p>
@@ -20299,7 +20888,7 @@
                   <a:spcPts val="600"/>
                 </a:spcAft>
               </a:pPr>
-              <a:t>30</a:t>
+              <a:t>31</a:t>
             </a:fld>
             <a:endParaRPr lang="en-US"/>
           </a:p>
@@ -20318,7 +20907,7 @@
 </p:sld>
 </file>
 
-<file path=ppt/slides/slide31.xml><?xml version="1.0" encoding="utf-8"?>
+<file path=ppt/slides/slide32.xml><?xml version="1.0" encoding="utf-8"?>
 <p:sld xmlns:a="http://schemas.openxmlformats.org/drawingml/2006/main" xmlns:r="http://schemas.openxmlformats.org/officeDocument/2006/relationships" xmlns:p="http://schemas.openxmlformats.org/presentationml/2006/main" show="0">
   <p:cSld>
     <p:spTree>
@@ -20413,7 +21002,7 @@
 </p:sld>
 </file>
 
-<file path=ppt/slides/slide32.xml><?xml version="1.0" encoding="utf-8"?>
+<file path=ppt/slides/slide33.xml><?xml version="1.0" encoding="utf-8"?>
 <p:sld xmlns:a="http://schemas.openxmlformats.org/drawingml/2006/main" xmlns:r="http://schemas.openxmlformats.org/officeDocument/2006/relationships" xmlns:p="http://schemas.openxmlformats.org/presentationml/2006/main" show="0">
   <p:cSld>
     <p:spTree>
@@ -21332,7 +21921,7 @@
 </p:sld>
 </file>
 
-<file path=ppt/slides/slide33.xml><?xml version="1.0" encoding="utf-8"?>
+<file path=ppt/slides/slide34.xml><?xml version="1.0" encoding="utf-8"?>
 <p:sld xmlns:a="http://schemas.openxmlformats.org/drawingml/2006/main" xmlns:r="http://schemas.openxmlformats.org/officeDocument/2006/relationships" xmlns:p="http://schemas.openxmlformats.org/presentationml/2006/main" show="0">
   <p:cSld>
     <p:spTree>
@@ -21473,7 +22062,7 @@
 </p:sld>
 </file>
 
-<file path=ppt/slides/slide34.xml><?xml version="1.0" encoding="utf-8"?>
+<file path=ppt/slides/slide35.xml><?xml version="1.0" encoding="utf-8"?>
 <p:sld xmlns:a="http://schemas.openxmlformats.org/drawingml/2006/main" xmlns:r="http://schemas.openxmlformats.org/officeDocument/2006/relationships" xmlns:p="http://schemas.openxmlformats.org/presentationml/2006/main" show="0">
   <p:cSld>
     <p:spTree>
